--- a/Teasel Diagram.pptx
+++ b/Teasel Diagram.pptx
@@ -288,6 +288,7 @@
           <a:p>
             <a:fld id="{F81AB71C-0DC1-4F0F-9BA5-E8F98239AD93}" type="datetimeFigureOut">
               <a:rPr lang="en-US" smtClean="0"/>
+              <a:pPr/>
               <a:t>10/20/2021</a:t>
             </a:fld>
             <a:endParaRPr lang="en-US"/>
@@ -330,6 +331,7 @@
           <a:p>
             <a:fld id="{7D5CB7E0-694E-4126-A5F0-09CF104FB775}" type="slidenum">
               <a:rPr lang="en-US" smtClean="0"/>
+              <a:pPr/>
               <a:t>‹#›</a:t>
             </a:fld>
             <a:endParaRPr lang="en-US"/>
@@ -453,6 +455,7 @@
           <a:p>
             <a:fld id="{F81AB71C-0DC1-4F0F-9BA5-E8F98239AD93}" type="datetimeFigureOut">
               <a:rPr lang="en-US" smtClean="0"/>
+              <a:pPr/>
               <a:t>10/20/2021</a:t>
             </a:fld>
             <a:endParaRPr lang="en-US"/>
@@ -495,6 +498,7 @@
           <a:p>
             <a:fld id="{7D5CB7E0-694E-4126-A5F0-09CF104FB775}" type="slidenum">
               <a:rPr lang="en-US" smtClean="0"/>
+              <a:pPr/>
               <a:t>‹#›</a:t>
             </a:fld>
             <a:endParaRPr lang="en-US"/>
@@ -628,6 +632,7 @@
           <a:p>
             <a:fld id="{F81AB71C-0DC1-4F0F-9BA5-E8F98239AD93}" type="datetimeFigureOut">
               <a:rPr lang="en-US" smtClean="0"/>
+              <a:pPr/>
               <a:t>10/20/2021</a:t>
             </a:fld>
             <a:endParaRPr lang="en-US"/>
@@ -670,6 +675,7 @@
           <a:p>
             <a:fld id="{7D5CB7E0-694E-4126-A5F0-09CF104FB775}" type="slidenum">
               <a:rPr lang="en-US" smtClean="0"/>
+              <a:pPr/>
               <a:t>‹#›</a:t>
             </a:fld>
             <a:endParaRPr lang="en-US"/>
@@ -793,6 +799,7 @@
           <a:p>
             <a:fld id="{F81AB71C-0DC1-4F0F-9BA5-E8F98239AD93}" type="datetimeFigureOut">
               <a:rPr lang="en-US" smtClean="0"/>
+              <a:pPr/>
               <a:t>10/20/2021</a:t>
             </a:fld>
             <a:endParaRPr lang="en-US"/>
@@ -835,6 +842,7 @@
           <a:p>
             <a:fld id="{7D5CB7E0-694E-4126-A5F0-09CF104FB775}" type="slidenum">
               <a:rPr lang="en-US" smtClean="0"/>
+              <a:pPr/>
               <a:t>‹#›</a:t>
             </a:fld>
             <a:endParaRPr lang="en-US"/>
@@ -1034,6 +1042,7 @@
           <a:p>
             <a:fld id="{F81AB71C-0DC1-4F0F-9BA5-E8F98239AD93}" type="datetimeFigureOut">
               <a:rPr lang="en-US" smtClean="0"/>
+              <a:pPr/>
               <a:t>10/20/2021</a:t>
             </a:fld>
             <a:endParaRPr lang="en-US"/>
@@ -1076,6 +1085,7 @@
           <a:p>
             <a:fld id="{7D5CB7E0-694E-4126-A5F0-09CF104FB775}" type="slidenum">
               <a:rPr lang="en-US" smtClean="0"/>
+              <a:pPr/>
               <a:t>‹#›</a:t>
             </a:fld>
             <a:endParaRPr lang="en-US"/>
@@ -1317,6 +1327,7 @@
           <a:p>
             <a:fld id="{F81AB71C-0DC1-4F0F-9BA5-E8F98239AD93}" type="datetimeFigureOut">
               <a:rPr lang="en-US" smtClean="0"/>
+              <a:pPr/>
               <a:t>10/20/2021</a:t>
             </a:fld>
             <a:endParaRPr lang="en-US"/>
@@ -1359,6 +1370,7 @@
           <a:p>
             <a:fld id="{7D5CB7E0-694E-4126-A5F0-09CF104FB775}" type="slidenum">
               <a:rPr lang="en-US" smtClean="0"/>
+              <a:pPr/>
               <a:t>‹#›</a:t>
             </a:fld>
             <a:endParaRPr lang="en-US"/>
@@ -1734,6 +1746,7 @@
           <a:p>
             <a:fld id="{F81AB71C-0DC1-4F0F-9BA5-E8F98239AD93}" type="datetimeFigureOut">
               <a:rPr lang="en-US" smtClean="0"/>
+              <a:pPr/>
               <a:t>10/20/2021</a:t>
             </a:fld>
             <a:endParaRPr lang="en-US"/>
@@ -1776,6 +1789,7 @@
           <a:p>
             <a:fld id="{7D5CB7E0-694E-4126-A5F0-09CF104FB775}" type="slidenum">
               <a:rPr lang="en-US" smtClean="0"/>
+              <a:pPr/>
               <a:t>‹#›</a:t>
             </a:fld>
             <a:endParaRPr lang="en-US"/>
@@ -1847,6 +1861,7 @@
           <a:p>
             <a:fld id="{F81AB71C-0DC1-4F0F-9BA5-E8F98239AD93}" type="datetimeFigureOut">
               <a:rPr lang="en-US" smtClean="0"/>
+              <a:pPr/>
               <a:t>10/20/2021</a:t>
             </a:fld>
             <a:endParaRPr lang="en-US"/>
@@ -1889,6 +1904,7 @@
           <a:p>
             <a:fld id="{7D5CB7E0-694E-4126-A5F0-09CF104FB775}" type="slidenum">
               <a:rPr lang="en-US" smtClean="0"/>
+              <a:pPr/>
               <a:t>‹#›</a:t>
             </a:fld>
             <a:endParaRPr lang="en-US"/>
@@ -1937,6 +1953,7 @@
           <a:p>
             <a:fld id="{F81AB71C-0DC1-4F0F-9BA5-E8F98239AD93}" type="datetimeFigureOut">
               <a:rPr lang="en-US" smtClean="0"/>
+              <a:pPr/>
               <a:t>10/20/2021</a:t>
             </a:fld>
             <a:endParaRPr lang="en-US"/>
@@ -1979,6 +1996,7 @@
           <a:p>
             <a:fld id="{7D5CB7E0-694E-4126-A5F0-09CF104FB775}" type="slidenum">
               <a:rPr lang="en-US" smtClean="0"/>
+              <a:pPr/>
               <a:t>‹#›</a:t>
             </a:fld>
             <a:endParaRPr lang="en-US"/>
@@ -2209,6 +2227,7 @@
           <a:p>
             <a:fld id="{F81AB71C-0DC1-4F0F-9BA5-E8F98239AD93}" type="datetimeFigureOut">
               <a:rPr lang="en-US" smtClean="0"/>
+              <a:pPr/>
               <a:t>10/20/2021</a:t>
             </a:fld>
             <a:endParaRPr lang="en-US"/>
@@ -2251,6 +2270,7 @@
           <a:p>
             <a:fld id="{7D5CB7E0-694E-4126-A5F0-09CF104FB775}" type="slidenum">
               <a:rPr lang="en-US" smtClean="0"/>
+              <a:pPr/>
               <a:t>‹#›</a:t>
             </a:fld>
             <a:endParaRPr lang="en-US"/>
@@ -2457,6 +2477,7 @@
           <a:p>
             <a:fld id="{F81AB71C-0DC1-4F0F-9BA5-E8F98239AD93}" type="datetimeFigureOut">
               <a:rPr lang="en-US" smtClean="0"/>
+              <a:pPr/>
               <a:t>10/20/2021</a:t>
             </a:fld>
             <a:endParaRPr lang="en-US"/>
@@ -2499,6 +2520,7 @@
           <a:p>
             <a:fld id="{7D5CB7E0-694E-4126-A5F0-09CF104FB775}" type="slidenum">
               <a:rPr lang="en-US" smtClean="0"/>
+              <a:pPr/>
               <a:t>‹#›</a:t>
             </a:fld>
             <a:endParaRPr lang="en-US"/>
@@ -2665,6 +2687,7 @@
           <a:p>
             <a:fld id="{F81AB71C-0DC1-4F0F-9BA5-E8F98239AD93}" type="datetimeFigureOut">
               <a:rPr lang="en-US" smtClean="0"/>
+              <a:pPr/>
               <a:t>10/20/2021</a:t>
             </a:fld>
             <a:endParaRPr lang="en-US"/>
@@ -2743,6 +2766,7 @@
           <a:p>
             <a:fld id="{7D5CB7E0-694E-4126-A5F0-09CF104FB775}" type="slidenum">
               <a:rPr lang="en-US" smtClean="0"/>
+              <a:pPr/>
               <a:t>‹#›</a:t>
             </a:fld>
             <a:endParaRPr lang="en-US"/>
@@ -3035,6 +3059,43 @@
           <a:chExt cx="0" cy="0"/>
         </a:xfrm>
       </p:grpSpPr>
+      <p:cxnSp>
+        <p:nvCxnSpPr>
+          <p:cNvPr id="61" name="直線接點 60"/>
+          <p:cNvCxnSpPr/>
+          <p:nvPr/>
+        </p:nvCxnSpPr>
+        <p:spPr>
+          <a:xfrm>
+            <a:off x="481903" y="1873611"/>
+            <a:ext cx="1" cy="1124712"/>
+          </a:xfrm>
+          <a:prstGeom prst="line">
+            <a:avLst/>
+          </a:prstGeom>
+          <a:ln w="57150">
+            <a:solidFill>
+              <a:schemeClr val="tx1"/>
+            </a:solidFill>
+            <a:headEnd type="none" w="med" len="med"/>
+            <a:tailEnd type="triangle" w="med" len="med"/>
+          </a:ln>
+        </p:spPr>
+        <p:style>
+          <a:lnRef idx="1">
+            <a:schemeClr val="accent1"/>
+          </a:lnRef>
+          <a:fillRef idx="0">
+            <a:schemeClr val="accent1"/>
+          </a:fillRef>
+          <a:effectRef idx="0">
+            <a:schemeClr val="accent1"/>
+          </a:effectRef>
+          <a:fontRef idx="minor">
+            <a:schemeClr val="tx1"/>
+          </a:fontRef>
+        </p:style>
+      </p:cxnSp>
       <p:grpSp>
         <p:nvGrpSpPr>
           <p:cNvPr id="156" name="群組 155"/>
@@ -3043,10 +3104,10 @@
         </p:nvGrpSpPr>
         <p:grpSpPr>
           <a:xfrm>
-            <a:off x="0" y="1873611"/>
-            <a:ext cx="9144000" cy="2446013"/>
-            <a:chOff x="0" y="1873611"/>
-            <a:chExt cx="9144000" cy="2446013"/>
+            <a:off x="9144" y="1873611"/>
+            <a:ext cx="9089136" cy="2446013"/>
+            <a:chOff x="9144" y="1873611"/>
+            <a:chExt cx="9089136" cy="2446013"/>
           </a:xfrm>
         </p:grpSpPr>
         <p:cxnSp>
@@ -3057,7 +3118,7 @@
           </p:nvCxnSpPr>
           <p:spPr>
             <a:xfrm>
-              <a:off x="8662097" y="1873611"/>
+              <a:off x="8604490" y="1873611"/>
               <a:ext cx="0" cy="1129285"/>
             </a:xfrm>
             <a:prstGeom prst="line">
@@ -3131,10 +3192,10 @@
           </p:nvGrpSpPr>
           <p:grpSpPr>
             <a:xfrm>
-              <a:off x="0" y="2971800"/>
-              <a:ext cx="9144000" cy="1347824"/>
-              <a:chOff x="0" y="2971800"/>
-              <a:chExt cx="9144000" cy="1347824"/>
+              <a:off x="9144" y="2971800"/>
+              <a:ext cx="9089136" cy="1347824"/>
+              <a:chOff x="9144" y="2971800"/>
+              <a:chExt cx="9089136" cy="1347824"/>
             </a:xfrm>
           </p:grpSpPr>
           <p:grpSp>
@@ -3145,12 +3206,90 @@
             </p:nvGrpSpPr>
             <p:grpSpPr>
               <a:xfrm>
-                <a:off x="0" y="2971800"/>
-                <a:ext cx="9144000" cy="914400"/>
-                <a:chOff x="0" y="2971800"/>
-                <a:chExt cx="9144000" cy="914400"/>
+                <a:off x="9144" y="2971800"/>
+                <a:ext cx="9089136" cy="914400"/>
+                <a:chOff x="9144" y="2971800"/>
+                <a:chExt cx="9089136" cy="914400"/>
               </a:xfrm>
             </p:grpSpPr>
+            <p:cxnSp>
+              <p:nvCxnSpPr>
+                <p:cNvPr id="30" name="直線單箭頭接點 29"/>
+                <p:cNvCxnSpPr>
+                  <a:endCxn id="17" idx="1"/>
+                </p:cNvCxnSpPr>
+                <p:nvPr/>
+              </p:nvCxnSpPr>
+              <p:spPr>
+                <a:xfrm>
+                  <a:off x="942759" y="3429000"/>
+                  <a:ext cx="748891" cy="0"/>
+                </a:xfrm>
+                <a:prstGeom prst="straightConnector1">
+                  <a:avLst/>
+                </a:prstGeom>
+                <a:ln w="57150">
+                  <a:solidFill>
+                    <a:schemeClr val="tx1"/>
+                  </a:solidFill>
+                  <a:headEnd type="none" w="med" len="med"/>
+                  <a:tailEnd type="triangle" w="med" len="med"/>
+                </a:ln>
+              </p:spPr>
+              <p:style>
+                <a:lnRef idx="1">
+                  <a:schemeClr val="accent1"/>
+                </a:lnRef>
+                <a:fillRef idx="0">
+                  <a:schemeClr val="accent1"/>
+                </a:fillRef>
+                <a:effectRef idx="0">
+                  <a:schemeClr val="accent1"/>
+                </a:effectRef>
+                <a:fontRef idx="minor">
+                  <a:schemeClr val="tx1"/>
+                </a:fontRef>
+              </p:style>
+            </p:cxnSp>
+            <p:cxnSp>
+              <p:nvCxnSpPr>
+                <p:cNvPr id="39" name="直線單箭頭接點 38"/>
+                <p:cNvCxnSpPr>
+                  <a:endCxn id="22" idx="1"/>
+                </p:cNvCxnSpPr>
+                <p:nvPr/>
+              </p:nvCxnSpPr>
+              <p:spPr>
+                <a:xfrm>
+                  <a:off x="7567564" y="3429000"/>
+                  <a:ext cx="654724" cy="0"/>
+                </a:xfrm>
+                <a:prstGeom prst="straightConnector1">
+                  <a:avLst/>
+                </a:prstGeom>
+                <a:ln w="57150">
+                  <a:solidFill>
+                    <a:schemeClr val="tx1"/>
+                  </a:solidFill>
+                  <a:headEnd type="none" w="med" len="med"/>
+                  <a:tailEnd type="triangle" w="med" len="med"/>
+                </a:ln>
+              </p:spPr>
+              <p:style>
+                <a:lnRef idx="1">
+                  <a:schemeClr val="accent1"/>
+                </a:lnRef>
+                <a:fillRef idx="0">
+                  <a:schemeClr val="accent1"/>
+                </a:fillRef>
+                <a:effectRef idx="0">
+                  <a:schemeClr val="accent1"/>
+                </a:effectRef>
+                <a:fontRef idx="minor">
+                  <a:schemeClr val="tx1"/>
+                </a:fontRef>
+              </p:style>
+            </p:cxnSp>
             <p:sp>
               <p:nvSpPr>
                 <p:cNvPr id="10" name="橢圓 9"/>
@@ -3159,7 +3298,7 @@
               </p:nvSpPr>
               <p:spPr>
                 <a:xfrm>
-                  <a:off x="0" y="2971800"/>
+                  <a:off x="45720" y="2971800"/>
                   <a:ext cx="914400" cy="914400"/>
                 </a:xfrm>
                 <a:prstGeom prst="ellipse">
@@ -3193,7 +3332,11 @@
                 <a:lstStyle/>
                 <a:p>
                   <a:pPr algn="ctr"/>
-                  <a:endParaRPr lang="en-US"/>
+                  <a:endParaRPr lang="en-US" dirty="0">
+                    <a:solidFill>
+                      <a:schemeClr val="bg1"/>
+                    </a:solidFill>
+                  </a:endParaRPr>
                 </a:p>
               </p:txBody>
             </p:sp>
@@ -3205,7 +3348,7 @@
               </p:nvSpPr>
               <p:spPr>
                 <a:xfrm>
-                  <a:off x="0" y="3213556"/>
+                  <a:off x="9144" y="3213556"/>
                   <a:ext cx="1000366" cy="430887"/>
                 </a:xfrm>
                 <a:prstGeom prst="rect">
@@ -3696,10 +3839,10 @@
               </p:nvGrpSpPr>
               <p:grpSpPr>
                 <a:xfrm>
-                  <a:off x="8222288" y="2971800"/>
-                  <a:ext cx="921712" cy="914400"/>
-                  <a:chOff x="8222288" y="2971800"/>
-                  <a:chExt cx="921712" cy="914400"/>
+                  <a:off x="8183880" y="2971800"/>
+                  <a:ext cx="914400" cy="914400"/>
+                  <a:chOff x="8183880" y="2971800"/>
+                  <a:chExt cx="914400" cy="914400"/>
                 </a:xfrm>
               </p:grpSpPr>
               <p:sp>
@@ -3710,7 +3853,7 @@
                 </p:nvSpPr>
                 <p:spPr>
                   <a:xfrm>
-                    <a:off x="8229600" y="2971800"/>
+                    <a:off x="8183880" y="2971800"/>
                     <a:ext cx="914400" cy="914400"/>
                   </a:xfrm>
                   <a:prstGeom prst="ellipse">
@@ -3759,7 +3902,7 @@
                 <p:spPr>
                   <a:xfrm>
                     <a:off x="8222288" y="3213556"/>
-                    <a:ext cx="921712" cy="430887"/>
+                    <a:ext cx="843058" cy="430887"/>
                   </a:xfrm>
                   <a:prstGeom prst="rect">
                     <a:avLst/>
@@ -3788,45 +3931,6 @@
                 </p:txBody>
               </p:sp>
             </p:grpSp>
-            <p:cxnSp>
-              <p:nvCxnSpPr>
-                <p:cNvPr id="30" name="直線單箭頭接點 29"/>
-                <p:cNvCxnSpPr>
-                  <a:endCxn id="17" idx="1"/>
-                </p:cNvCxnSpPr>
-                <p:nvPr/>
-              </p:nvCxnSpPr>
-              <p:spPr>
-                <a:xfrm>
-                  <a:off x="942759" y="3429000"/>
-                  <a:ext cx="748891" cy="0"/>
-                </a:xfrm>
-                <a:prstGeom prst="straightConnector1">
-                  <a:avLst/>
-                </a:prstGeom>
-                <a:ln w="57150">
-                  <a:solidFill>
-                    <a:schemeClr val="tx1"/>
-                  </a:solidFill>
-                  <a:headEnd type="none" w="med" len="med"/>
-                  <a:tailEnd type="triangle" w="med" len="med"/>
-                </a:ln>
-              </p:spPr>
-              <p:style>
-                <a:lnRef idx="1">
-                  <a:schemeClr val="accent1"/>
-                </a:lnRef>
-                <a:fillRef idx="0">
-                  <a:schemeClr val="accent1"/>
-                </a:fillRef>
-                <a:effectRef idx="0">
-                  <a:schemeClr val="accent1"/>
-                </a:effectRef>
-                <a:fontRef idx="minor">
-                  <a:schemeClr val="tx1"/>
-                </a:fontRef>
-              </p:style>
-            </p:cxnSp>
             <p:cxnSp>
               <p:nvCxnSpPr>
                 <p:cNvPr id="32" name="直線單箭頭接點 31"/>
@@ -3914,43 +4018,6 @@
                 <a:xfrm>
                   <a:off x="5954568" y="3408579"/>
                   <a:ext cx="713232" cy="0"/>
-                </a:xfrm>
-                <a:prstGeom prst="straightConnector1">
-                  <a:avLst/>
-                </a:prstGeom>
-                <a:ln w="57150">
-                  <a:solidFill>
-                    <a:schemeClr val="tx1"/>
-                  </a:solidFill>
-                  <a:headEnd type="none" w="med" len="med"/>
-                  <a:tailEnd type="triangle" w="med" len="med"/>
-                </a:ln>
-              </p:spPr>
-              <p:style>
-                <a:lnRef idx="1">
-                  <a:schemeClr val="accent1"/>
-                </a:lnRef>
-                <a:fillRef idx="0">
-                  <a:schemeClr val="accent1"/>
-                </a:fillRef>
-                <a:effectRef idx="0">
-                  <a:schemeClr val="accent1"/>
-                </a:effectRef>
-                <a:fontRef idx="minor">
-                  <a:schemeClr val="tx1"/>
-                </a:fontRef>
-              </p:style>
-            </p:cxnSp>
-            <p:cxnSp>
-              <p:nvCxnSpPr>
-                <p:cNvPr id="39" name="直線單箭頭接點 38"/>
-                <p:cNvCxnSpPr/>
-                <p:nvPr/>
-              </p:nvCxnSpPr>
-              <p:spPr>
-                <a:xfrm>
-                  <a:off x="7567564" y="3429000"/>
-                  <a:ext cx="694944" cy="0"/>
                 </a:xfrm>
                 <a:prstGeom prst="straightConnector1">
                   <a:avLst/>
@@ -4167,10 +4234,10 @@
             </p:nvGrpSpPr>
             <p:grpSpPr>
               <a:xfrm>
-                <a:off x="424296" y="3889856"/>
-                <a:ext cx="6682412" cy="429768"/>
-                <a:chOff x="424296" y="3889856"/>
-                <a:chExt cx="6682412" cy="429768"/>
+                <a:off x="481903" y="3889856"/>
+                <a:ext cx="6624805" cy="429768"/>
+                <a:chOff x="481903" y="3889856"/>
+                <a:chExt cx="6624805" cy="429768"/>
               </a:xfrm>
             </p:grpSpPr>
             <p:cxnSp>
@@ -4181,8 +4248,8 @@
               </p:nvCxnSpPr>
               <p:spPr>
                 <a:xfrm>
-                  <a:off x="424296" y="4293105"/>
-                  <a:ext cx="6682412" cy="0"/>
+                  <a:off x="481903" y="4293105"/>
+                  <a:ext cx="6624805" cy="0"/>
                 </a:xfrm>
                 <a:prstGeom prst="line">
                   <a:avLst/>
@@ -4216,7 +4283,7 @@
               </p:nvCxnSpPr>
               <p:spPr>
                 <a:xfrm flipV="1">
-                  <a:off x="424296" y="3889856"/>
+                  <a:off x="481903" y="3889856"/>
                   <a:ext cx="0" cy="429768"/>
                 </a:xfrm>
                 <a:prstGeom prst="line">
@@ -4847,8 +4914,8 @@
           </p:nvCxnSpPr>
           <p:spPr>
             <a:xfrm>
-              <a:off x="3063240" y="1873611"/>
-              <a:ext cx="5632704" cy="0"/>
+              <a:off x="457200" y="1873611"/>
+              <a:ext cx="8165592" cy="0"/>
             </a:xfrm>
             <a:prstGeom prst="line">
               <a:avLst/>
@@ -5094,6 +5161,42 @@
           </p:txBody>
         </p:sp>
       </p:grpSp>
+      <p:sp>
+        <p:nvSpPr>
+          <p:cNvPr id="70" name="文字方塊 69"/>
+          <p:cNvSpPr txBox="1"/>
+          <p:nvPr/>
+        </p:nvSpPr>
+        <p:spPr>
+          <a:xfrm>
+            <a:off x="424296" y="2046432"/>
+            <a:ext cx="691284" cy="261610"/>
+          </a:xfrm>
+          <a:prstGeom prst="rect">
+            <a:avLst/>
+          </a:prstGeom>
+          <a:noFill/>
+        </p:spPr>
+        <p:txBody>
+          <a:bodyPr wrap="square" rtlCol="0">
+            <a:spAutoFit/>
+          </a:bodyPr>
+          <a:lstStyle/>
+          <a:p>
+            <a:r>
+              <a:rPr lang="en-US" sz="1100" b="1" i="1" dirty="0" smtClean="0">
+                <a:latin typeface="Arial" pitchFamily="34" charset="0"/>
+                <a:cs typeface="Arial" pitchFamily="34" charset="0"/>
+              </a:rPr>
+              <a:t>322.38</a:t>
+            </a:r>
+            <a:endParaRPr lang="en-US" sz="1100" b="1" i="1" dirty="0">
+              <a:latin typeface="Arial" pitchFamily="34" charset="0"/>
+              <a:cs typeface="Arial" pitchFamily="34" charset="0"/>
+            </a:endParaRPr>
+          </a:p>
+        </p:txBody>
+      </p:sp>
     </p:spTree>
   </p:cSld>
   <p:clrMapOvr>

--- a/Teasel Diagram.pptx
+++ b/Teasel Diagram.pptx
@@ -5169,8 +5169,8 @@
         </p:nvSpPr>
         <p:spPr>
           <a:xfrm>
-            <a:off x="424296" y="2046432"/>
-            <a:ext cx="691284" cy="261610"/>
+            <a:off x="481902" y="2046432"/>
+            <a:ext cx="633677" cy="261610"/>
           </a:xfrm>
           <a:prstGeom prst="rect">
             <a:avLst/>

--- a/Teasel Diagram.pptx
+++ b/Teasel Diagram.pptx
@@ -1,11 +1,11 @@
 
 <file path=ppt/presentation.xml><?xml version="1.0" encoding="utf-8"?>
-<p:presentation xmlns:a="http://schemas.openxmlformats.org/drawingml/2006/main" xmlns:r="http://schemas.openxmlformats.org/officeDocument/2006/relationships" xmlns:p="http://schemas.openxmlformats.org/presentationml/2006/main" saveSubsetFonts="1">
+<p:presentation xmlns:a="http://schemas.openxmlformats.org/drawingml/2006/main" xmlns:r="http://schemas.openxmlformats.org/officeDocument/2006/relationships" xmlns:p="http://schemas.openxmlformats.org/presentationml/2006/main">
   <p:sldMasterIdLst>
     <p:sldMasterId id="2147483648" r:id="rId1"/>
   </p:sldMasterIdLst>
   <p:sldIdLst>
-    <p:sldId id="256" r:id="rId2"/>
+    <p:sldId id="256" r:id="rId3"/>
   </p:sldIdLst>
   <p:sldSz cx="9144000" cy="6858000" type="screen4x3"/>
   <p:notesSz cx="6858000" cy="9144000"/>
@@ -288,8 +288,6 @@
           <a:p>
             <a:fld id="{F81AB71C-0DC1-4F0F-9BA5-E8F98239AD93}" type="datetimeFigureOut">
               <a:rPr lang="en-US" smtClean="0"/>
-              <a:pPr/>
-              <a:t>10/20/2021</a:t>
             </a:fld>
             <a:endParaRPr lang="en-US"/>
           </a:p>
@@ -331,8 +329,6 @@
           <a:p>
             <a:fld id="{7D5CB7E0-694E-4126-A5F0-09CF104FB775}" type="slidenum">
               <a:rPr lang="en-US" smtClean="0"/>
-              <a:pPr/>
-              <a:t>‹#›</a:t>
             </a:fld>
             <a:endParaRPr lang="en-US"/>
           </a:p>
@@ -406,6 +402,7 @@
               <a:rPr lang="zh-TW" altLang="en-US" smtClean="0"/>
               <a:t>按一下以編輯母片文字樣式</a:t>
             </a:r>
+            <a:endParaRPr lang="zh-TW" altLang="en-US" smtClean="0"/>
           </a:p>
           <a:p>
             <a:pPr lvl="1"/>
@@ -413,6 +410,7 @@
               <a:rPr lang="zh-TW" altLang="en-US" smtClean="0"/>
               <a:t>第二層</a:t>
             </a:r>
+            <a:endParaRPr lang="zh-TW" altLang="en-US" smtClean="0"/>
           </a:p>
           <a:p>
             <a:pPr lvl="2"/>
@@ -420,6 +418,7 @@
               <a:rPr lang="zh-TW" altLang="en-US" smtClean="0"/>
               <a:t>第三層</a:t>
             </a:r>
+            <a:endParaRPr lang="zh-TW" altLang="en-US" smtClean="0"/>
           </a:p>
           <a:p>
             <a:pPr lvl="3"/>
@@ -427,6 +426,7 @@
               <a:rPr lang="zh-TW" altLang="en-US" smtClean="0"/>
               <a:t>第四層</a:t>
             </a:r>
+            <a:endParaRPr lang="zh-TW" altLang="en-US" smtClean="0"/>
           </a:p>
           <a:p>
             <a:pPr lvl="4"/>
@@ -455,8 +455,6 @@
           <a:p>
             <a:fld id="{F81AB71C-0DC1-4F0F-9BA5-E8F98239AD93}" type="datetimeFigureOut">
               <a:rPr lang="en-US" smtClean="0"/>
-              <a:pPr/>
-              <a:t>10/20/2021</a:t>
             </a:fld>
             <a:endParaRPr lang="en-US"/>
           </a:p>
@@ -498,8 +496,6 @@
           <a:p>
             <a:fld id="{7D5CB7E0-694E-4126-A5F0-09CF104FB775}" type="slidenum">
               <a:rPr lang="en-US" smtClean="0"/>
-              <a:pPr/>
-              <a:t>‹#›</a:t>
             </a:fld>
             <a:endParaRPr lang="en-US"/>
           </a:p>
@@ -583,6 +579,7 @@
               <a:rPr lang="zh-TW" altLang="en-US" smtClean="0"/>
               <a:t>按一下以編輯母片文字樣式</a:t>
             </a:r>
+            <a:endParaRPr lang="zh-TW" altLang="en-US" smtClean="0"/>
           </a:p>
           <a:p>
             <a:pPr lvl="1"/>
@@ -590,6 +587,7 @@
               <a:rPr lang="zh-TW" altLang="en-US" smtClean="0"/>
               <a:t>第二層</a:t>
             </a:r>
+            <a:endParaRPr lang="zh-TW" altLang="en-US" smtClean="0"/>
           </a:p>
           <a:p>
             <a:pPr lvl="2"/>
@@ -597,6 +595,7 @@
               <a:rPr lang="zh-TW" altLang="en-US" smtClean="0"/>
               <a:t>第三層</a:t>
             </a:r>
+            <a:endParaRPr lang="zh-TW" altLang="en-US" smtClean="0"/>
           </a:p>
           <a:p>
             <a:pPr lvl="3"/>
@@ -604,6 +603,7 @@
               <a:rPr lang="zh-TW" altLang="en-US" smtClean="0"/>
               <a:t>第四層</a:t>
             </a:r>
+            <a:endParaRPr lang="zh-TW" altLang="en-US" smtClean="0"/>
           </a:p>
           <a:p>
             <a:pPr lvl="4"/>
@@ -632,8 +632,6 @@
           <a:p>
             <a:fld id="{F81AB71C-0DC1-4F0F-9BA5-E8F98239AD93}" type="datetimeFigureOut">
               <a:rPr lang="en-US" smtClean="0"/>
-              <a:pPr/>
-              <a:t>10/20/2021</a:t>
             </a:fld>
             <a:endParaRPr lang="en-US"/>
           </a:p>
@@ -675,8 +673,6 @@
           <a:p>
             <a:fld id="{7D5CB7E0-694E-4126-A5F0-09CF104FB775}" type="slidenum">
               <a:rPr lang="en-US" smtClean="0"/>
-              <a:pPr/>
-              <a:t>‹#›</a:t>
             </a:fld>
             <a:endParaRPr lang="en-US"/>
           </a:p>
@@ -750,6 +746,7 @@
               <a:rPr lang="zh-TW" altLang="en-US" smtClean="0"/>
               <a:t>按一下以編輯母片文字樣式</a:t>
             </a:r>
+            <a:endParaRPr lang="zh-TW" altLang="en-US" smtClean="0"/>
           </a:p>
           <a:p>
             <a:pPr lvl="1"/>
@@ -757,6 +754,7 @@
               <a:rPr lang="zh-TW" altLang="en-US" smtClean="0"/>
               <a:t>第二層</a:t>
             </a:r>
+            <a:endParaRPr lang="zh-TW" altLang="en-US" smtClean="0"/>
           </a:p>
           <a:p>
             <a:pPr lvl="2"/>
@@ -764,6 +762,7 @@
               <a:rPr lang="zh-TW" altLang="en-US" smtClean="0"/>
               <a:t>第三層</a:t>
             </a:r>
+            <a:endParaRPr lang="zh-TW" altLang="en-US" smtClean="0"/>
           </a:p>
           <a:p>
             <a:pPr lvl="3"/>
@@ -771,6 +770,7 @@
               <a:rPr lang="zh-TW" altLang="en-US" smtClean="0"/>
               <a:t>第四層</a:t>
             </a:r>
+            <a:endParaRPr lang="zh-TW" altLang="en-US" smtClean="0"/>
           </a:p>
           <a:p>
             <a:pPr lvl="4"/>
@@ -799,8 +799,6 @@
           <a:p>
             <a:fld id="{F81AB71C-0DC1-4F0F-9BA5-E8F98239AD93}" type="datetimeFigureOut">
               <a:rPr lang="en-US" smtClean="0"/>
-              <a:pPr/>
-              <a:t>10/20/2021</a:t>
             </a:fld>
             <a:endParaRPr lang="en-US"/>
           </a:p>
@@ -842,8 +840,6 @@
           <a:p>
             <a:fld id="{7D5CB7E0-694E-4126-A5F0-09CF104FB775}" type="slidenum">
               <a:rPr lang="en-US" smtClean="0"/>
-              <a:pPr/>
-              <a:t>‹#›</a:t>
             </a:fld>
             <a:endParaRPr lang="en-US"/>
           </a:p>
@@ -1022,6 +1018,7 @@
               <a:rPr lang="zh-TW" altLang="en-US" smtClean="0"/>
               <a:t>按一下以編輯母片文字樣式</a:t>
             </a:r>
+            <a:endParaRPr lang="zh-TW" altLang="en-US" smtClean="0"/>
           </a:p>
         </p:txBody>
       </p:sp>
@@ -1042,8 +1039,6 @@
           <a:p>
             <a:fld id="{F81AB71C-0DC1-4F0F-9BA5-E8F98239AD93}" type="datetimeFigureOut">
               <a:rPr lang="en-US" smtClean="0"/>
-              <a:pPr/>
-              <a:t>10/20/2021</a:t>
             </a:fld>
             <a:endParaRPr lang="en-US"/>
           </a:p>
@@ -1085,8 +1080,6 @@
           <a:p>
             <a:fld id="{7D5CB7E0-694E-4126-A5F0-09CF104FB775}" type="slidenum">
               <a:rPr lang="en-US" smtClean="0"/>
-              <a:pPr/>
-              <a:t>‹#›</a:t>
             </a:fld>
             <a:endParaRPr lang="en-US"/>
           </a:p>
@@ -1193,6 +1186,7 @@
               <a:rPr lang="zh-TW" altLang="en-US" smtClean="0"/>
               <a:t>按一下以編輯母片文字樣式</a:t>
             </a:r>
+            <a:endParaRPr lang="zh-TW" altLang="en-US" smtClean="0"/>
           </a:p>
           <a:p>
             <a:pPr lvl="1"/>
@@ -1200,6 +1194,7 @@
               <a:rPr lang="zh-TW" altLang="en-US" smtClean="0"/>
               <a:t>第二層</a:t>
             </a:r>
+            <a:endParaRPr lang="zh-TW" altLang="en-US" smtClean="0"/>
           </a:p>
           <a:p>
             <a:pPr lvl="2"/>
@@ -1207,6 +1202,7 @@
               <a:rPr lang="zh-TW" altLang="en-US" smtClean="0"/>
               <a:t>第三層</a:t>
             </a:r>
+            <a:endParaRPr lang="zh-TW" altLang="en-US" smtClean="0"/>
           </a:p>
           <a:p>
             <a:pPr lvl="3"/>
@@ -1214,6 +1210,7 @@
               <a:rPr lang="zh-TW" altLang="en-US" smtClean="0"/>
               <a:t>第四層</a:t>
             </a:r>
+            <a:endParaRPr lang="zh-TW" altLang="en-US" smtClean="0"/>
           </a:p>
           <a:p>
             <a:pPr lvl="4"/>
@@ -1278,6 +1275,7 @@
               <a:rPr lang="zh-TW" altLang="en-US" smtClean="0"/>
               <a:t>按一下以編輯母片文字樣式</a:t>
             </a:r>
+            <a:endParaRPr lang="zh-TW" altLang="en-US" smtClean="0"/>
           </a:p>
           <a:p>
             <a:pPr lvl="1"/>
@@ -1285,6 +1283,7 @@
               <a:rPr lang="zh-TW" altLang="en-US" smtClean="0"/>
               <a:t>第二層</a:t>
             </a:r>
+            <a:endParaRPr lang="zh-TW" altLang="en-US" smtClean="0"/>
           </a:p>
           <a:p>
             <a:pPr lvl="2"/>
@@ -1292,6 +1291,7 @@
               <a:rPr lang="zh-TW" altLang="en-US" smtClean="0"/>
               <a:t>第三層</a:t>
             </a:r>
+            <a:endParaRPr lang="zh-TW" altLang="en-US" smtClean="0"/>
           </a:p>
           <a:p>
             <a:pPr lvl="3"/>
@@ -1299,6 +1299,7 @@
               <a:rPr lang="zh-TW" altLang="en-US" smtClean="0"/>
               <a:t>第四層</a:t>
             </a:r>
+            <a:endParaRPr lang="zh-TW" altLang="en-US" smtClean="0"/>
           </a:p>
           <a:p>
             <a:pPr lvl="4"/>
@@ -1327,8 +1328,6 @@
           <a:p>
             <a:fld id="{F81AB71C-0DC1-4F0F-9BA5-E8F98239AD93}" type="datetimeFigureOut">
               <a:rPr lang="en-US" smtClean="0"/>
-              <a:pPr/>
-              <a:t>10/20/2021</a:t>
             </a:fld>
             <a:endParaRPr lang="en-US"/>
           </a:p>
@@ -1370,8 +1369,6 @@
           <a:p>
             <a:fld id="{7D5CB7E0-694E-4126-A5F0-09CF104FB775}" type="slidenum">
               <a:rPr lang="en-US" smtClean="0"/>
-              <a:pPr/>
-              <a:t>‹#›</a:t>
             </a:fld>
             <a:endParaRPr lang="en-US"/>
           </a:p>
@@ -1491,6 +1488,7 @@
               <a:rPr lang="zh-TW" altLang="en-US" smtClean="0"/>
               <a:t>按一下以編輯母片文字樣式</a:t>
             </a:r>
+            <a:endParaRPr lang="zh-TW" altLang="en-US" smtClean="0"/>
           </a:p>
         </p:txBody>
       </p:sp>
@@ -1547,6 +1545,7 @@
               <a:rPr lang="zh-TW" altLang="en-US" smtClean="0"/>
               <a:t>按一下以編輯母片文字樣式</a:t>
             </a:r>
+            <a:endParaRPr lang="zh-TW" altLang="en-US" smtClean="0"/>
           </a:p>
           <a:p>
             <a:pPr lvl="1"/>
@@ -1554,6 +1553,7 @@
               <a:rPr lang="zh-TW" altLang="en-US" smtClean="0"/>
               <a:t>第二層</a:t>
             </a:r>
+            <a:endParaRPr lang="zh-TW" altLang="en-US" smtClean="0"/>
           </a:p>
           <a:p>
             <a:pPr lvl="2"/>
@@ -1561,6 +1561,7 @@
               <a:rPr lang="zh-TW" altLang="en-US" smtClean="0"/>
               <a:t>第三層</a:t>
             </a:r>
+            <a:endParaRPr lang="zh-TW" altLang="en-US" smtClean="0"/>
           </a:p>
           <a:p>
             <a:pPr lvl="3"/>
@@ -1568,6 +1569,7 @@
               <a:rPr lang="zh-TW" altLang="en-US" smtClean="0"/>
               <a:t>第四層</a:t>
             </a:r>
+            <a:endParaRPr lang="zh-TW" altLang="en-US" smtClean="0"/>
           </a:p>
           <a:p>
             <a:pPr lvl="4"/>
@@ -1641,6 +1643,7 @@
               <a:rPr lang="zh-TW" altLang="en-US" smtClean="0"/>
               <a:t>按一下以編輯母片文字樣式</a:t>
             </a:r>
+            <a:endParaRPr lang="zh-TW" altLang="en-US" smtClean="0"/>
           </a:p>
         </p:txBody>
       </p:sp>
@@ -1697,6 +1700,7 @@
               <a:rPr lang="zh-TW" altLang="en-US" smtClean="0"/>
               <a:t>按一下以編輯母片文字樣式</a:t>
             </a:r>
+            <a:endParaRPr lang="zh-TW" altLang="en-US" smtClean="0"/>
           </a:p>
           <a:p>
             <a:pPr lvl="1"/>
@@ -1704,6 +1708,7 @@
               <a:rPr lang="zh-TW" altLang="en-US" smtClean="0"/>
               <a:t>第二層</a:t>
             </a:r>
+            <a:endParaRPr lang="zh-TW" altLang="en-US" smtClean="0"/>
           </a:p>
           <a:p>
             <a:pPr lvl="2"/>
@@ -1711,6 +1716,7 @@
               <a:rPr lang="zh-TW" altLang="en-US" smtClean="0"/>
               <a:t>第三層</a:t>
             </a:r>
+            <a:endParaRPr lang="zh-TW" altLang="en-US" smtClean="0"/>
           </a:p>
           <a:p>
             <a:pPr lvl="3"/>
@@ -1718,6 +1724,7 @@
               <a:rPr lang="zh-TW" altLang="en-US" smtClean="0"/>
               <a:t>第四層</a:t>
             </a:r>
+            <a:endParaRPr lang="zh-TW" altLang="en-US" smtClean="0"/>
           </a:p>
           <a:p>
             <a:pPr lvl="4"/>
@@ -1746,8 +1753,6 @@
           <a:p>
             <a:fld id="{F81AB71C-0DC1-4F0F-9BA5-E8F98239AD93}" type="datetimeFigureOut">
               <a:rPr lang="en-US" smtClean="0"/>
-              <a:pPr/>
-              <a:t>10/20/2021</a:t>
             </a:fld>
             <a:endParaRPr lang="en-US"/>
           </a:p>
@@ -1789,8 +1794,6 @@
           <a:p>
             <a:fld id="{7D5CB7E0-694E-4126-A5F0-09CF104FB775}" type="slidenum">
               <a:rPr lang="en-US" smtClean="0"/>
-              <a:pPr/>
-              <a:t>‹#›</a:t>
             </a:fld>
             <a:endParaRPr lang="en-US"/>
           </a:p>
@@ -1861,8 +1864,6 @@
           <a:p>
             <a:fld id="{F81AB71C-0DC1-4F0F-9BA5-E8F98239AD93}" type="datetimeFigureOut">
               <a:rPr lang="en-US" smtClean="0"/>
-              <a:pPr/>
-              <a:t>10/20/2021</a:t>
             </a:fld>
             <a:endParaRPr lang="en-US"/>
           </a:p>
@@ -1904,8 +1905,6 @@
           <a:p>
             <a:fld id="{7D5CB7E0-694E-4126-A5F0-09CF104FB775}" type="slidenum">
               <a:rPr lang="en-US" smtClean="0"/>
-              <a:pPr/>
-              <a:t>‹#›</a:t>
             </a:fld>
             <a:endParaRPr lang="en-US"/>
           </a:p>
@@ -1953,8 +1952,6 @@
           <a:p>
             <a:fld id="{F81AB71C-0DC1-4F0F-9BA5-E8F98239AD93}" type="datetimeFigureOut">
               <a:rPr lang="en-US" smtClean="0"/>
-              <a:pPr/>
-              <a:t>10/20/2021</a:t>
             </a:fld>
             <a:endParaRPr lang="en-US"/>
           </a:p>
@@ -1996,8 +1993,6 @@
           <a:p>
             <a:fld id="{7D5CB7E0-694E-4126-A5F0-09CF104FB775}" type="slidenum">
               <a:rPr lang="en-US" smtClean="0"/>
-              <a:pPr/>
-              <a:t>‹#›</a:t>
             </a:fld>
             <a:endParaRPr lang="en-US"/>
           </a:p>
@@ -2113,6 +2108,7 @@
               <a:rPr lang="zh-TW" altLang="en-US" smtClean="0"/>
               <a:t>按一下以編輯母片文字樣式</a:t>
             </a:r>
+            <a:endParaRPr lang="zh-TW" altLang="en-US" smtClean="0"/>
           </a:p>
           <a:p>
             <a:pPr lvl="1"/>
@@ -2120,6 +2116,7 @@
               <a:rPr lang="zh-TW" altLang="en-US" smtClean="0"/>
               <a:t>第二層</a:t>
             </a:r>
+            <a:endParaRPr lang="zh-TW" altLang="en-US" smtClean="0"/>
           </a:p>
           <a:p>
             <a:pPr lvl="2"/>
@@ -2127,6 +2124,7 @@
               <a:rPr lang="zh-TW" altLang="en-US" smtClean="0"/>
               <a:t>第三層</a:t>
             </a:r>
+            <a:endParaRPr lang="zh-TW" altLang="en-US" smtClean="0"/>
           </a:p>
           <a:p>
             <a:pPr lvl="3"/>
@@ -2134,6 +2132,7 @@
               <a:rPr lang="zh-TW" altLang="en-US" smtClean="0"/>
               <a:t>第四層</a:t>
             </a:r>
+            <a:endParaRPr lang="zh-TW" altLang="en-US" smtClean="0"/>
           </a:p>
           <a:p>
             <a:pPr lvl="4"/>
@@ -2207,6 +2206,7 @@
               <a:rPr lang="zh-TW" altLang="en-US" smtClean="0"/>
               <a:t>按一下以編輯母片文字樣式</a:t>
             </a:r>
+            <a:endParaRPr lang="zh-TW" altLang="en-US" smtClean="0"/>
           </a:p>
         </p:txBody>
       </p:sp>
@@ -2227,8 +2227,6 @@
           <a:p>
             <a:fld id="{F81AB71C-0DC1-4F0F-9BA5-E8F98239AD93}" type="datetimeFigureOut">
               <a:rPr lang="en-US" smtClean="0"/>
-              <a:pPr/>
-              <a:t>10/20/2021</a:t>
             </a:fld>
             <a:endParaRPr lang="en-US"/>
           </a:p>
@@ -2270,8 +2268,6 @@
           <a:p>
             <a:fld id="{7D5CB7E0-694E-4126-A5F0-09CF104FB775}" type="slidenum">
               <a:rPr lang="en-US" smtClean="0"/>
-              <a:pPr/>
-              <a:t>‹#›</a:t>
             </a:fld>
             <a:endParaRPr lang="en-US"/>
           </a:p>
@@ -2457,6 +2453,7 @@
               <a:rPr lang="zh-TW" altLang="en-US" smtClean="0"/>
               <a:t>按一下以編輯母片文字樣式</a:t>
             </a:r>
+            <a:endParaRPr lang="zh-TW" altLang="en-US" smtClean="0"/>
           </a:p>
         </p:txBody>
       </p:sp>
@@ -2477,8 +2474,6 @@
           <a:p>
             <a:fld id="{F81AB71C-0DC1-4F0F-9BA5-E8F98239AD93}" type="datetimeFigureOut">
               <a:rPr lang="en-US" smtClean="0"/>
-              <a:pPr/>
-              <a:t>10/20/2021</a:t>
             </a:fld>
             <a:endParaRPr lang="en-US"/>
           </a:p>
@@ -2520,8 +2515,6 @@
           <a:p>
             <a:fld id="{7D5CB7E0-694E-4126-A5F0-09CF104FB775}" type="slidenum">
               <a:rPr lang="en-US" smtClean="0"/>
-              <a:pPr/>
-              <a:t>‹#›</a:t>
             </a:fld>
             <a:endParaRPr lang="en-US"/>
           </a:p>
@@ -2620,6 +2613,7 @@
               <a:rPr lang="zh-TW" altLang="en-US" smtClean="0"/>
               <a:t>按一下以編輯母片文字樣式</a:t>
             </a:r>
+            <a:endParaRPr lang="zh-TW" altLang="en-US" smtClean="0"/>
           </a:p>
           <a:p>
             <a:pPr lvl="1"/>
@@ -2627,6 +2621,7 @@
               <a:rPr lang="zh-TW" altLang="en-US" smtClean="0"/>
               <a:t>第二層</a:t>
             </a:r>
+            <a:endParaRPr lang="zh-TW" altLang="en-US" smtClean="0"/>
           </a:p>
           <a:p>
             <a:pPr lvl="2"/>
@@ -2634,6 +2629,7 @@
               <a:rPr lang="zh-TW" altLang="en-US" smtClean="0"/>
               <a:t>第三層</a:t>
             </a:r>
+            <a:endParaRPr lang="zh-TW" altLang="en-US" smtClean="0"/>
           </a:p>
           <a:p>
             <a:pPr lvl="3"/>
@@ -2641,6 +2637,7 @@
               <a:rPr lang="zh-TW" altLang="en-US" smtClean="0"/>
               <a:t>第四層</a:t>
             </a:r>
+            <a:endParaRPr lang="zh-TW" altLang="en-US" smtClean="0"/>
           </a:p>
           <a:p>
             <a:pPr lvl="4"/>
@@ -2687,8 +2684,6 @@
           <a:p>
             <a:fld id="{F81AB71C-0DC1-4F0F-9BA5-E8F98239AD93}" type="datetimeFigureOut">
               <a:rPr lang="en-US" smtClean="0"/>
-              <a:pPr/>
-              <a:t>10/20/2021</a:t>
             </a:fld>
             <a:endParaRPr lang="en-US"/>
           </a:p>
@@ -2766,8 +2761,6 @@
           <a:p>
             <a:fld id="{7D5CB7E0-694E-4126-A5F0-09CF104FB775}" type="slidenum">
               <a:rPr lang="en-US" smtClean="0"/>
-              <a:pPr/>
-              <a:t>‹#›</a:t>
             </a:fld>
             <a:endParaRPr lang="en-US"/>
           </a:p>
@@ -2811,7 +2804,7 @@
         <a:spcBef>
           <a:spcPct val="20000"/>
         </a:spcBef>
-        <a:buFont typeface="Arial" pitchFamily="34" charset="0"/>
+        <a:buFont typeface="Arial" panose="020B0604020202020204" pitchFamily="34" charset="0"/>
         <a:buChar char="•"/>
         <a:defRPr sz="3200" kern="1200">
           <a:solidFill>
@@ -2826,7 +2819,7 @@
         <a:spcBef>
           <a:spcPct val="20000"/>
         </a:spcBef>
-        <a:buFont typeface="Arial" pitchFamily="34" charset="0"/>
+        <a:buFont typeface="Arial" panose="020B0604020202020204" pitchFamily="34" charset="0"/>
         <a:buChar char="–"/>
         <a:defRPr sz="2800" kern="1200">
           <a:solidFill>
@@ -2841,7 +2834,7 @@
         <a:spcBef>
           <a:spcPct val="20000"/>
         </a:spcBef>
-        <a:buFont typeface="Arial" pitchFamily="34" charset="0"/>
+        <a:buFont typeface="Arial" panose="020B0604020202020204" pitchFamily="34" charset="0"/>
         <a:buChar char="•"/>
         <a:defRPr sz="2400" kern="1200">
           <a:solidFill>
@@ -2856,7 +2849,7 @@
         <a:spcBef>
           <a:spcPct val="20000"/>
         </a:spcBef>
-        <a:buFont typeface="Arial" pitchFamily="34" charset="0"/>
+        <a:buFont typeface="Arial" panose="020B0604020202020204" pitchFamily="34" charset="0"/>
         <a:buChar char="–"/>
         <a:defRPr sz="2000" kern="1200">
           <a:solidFill>
@@ -2871,7 +2864,7 @@
         <a:spcBef>
           <a:spcPct val="20000"/>
         </a:spcBef>
-        <a:buFont typeface="Arial" pitchFamily="34" charset="0"/>
+        <a:buFont typeface="Arial" panose="020B0604020202020204" pitchFamily="34" charset="0"/>
         <a:buChar char="»"/>
         <a:defRPr sz="2000" kern="1200">
           <a:solidFill>
@@ -2886,7 +2879,7 @@
         <a:spcBef>
           <a:spcPct val="20000"/>
         </a:spcBef>
-        <a:buFont typeface="Arial" pitchFamily="34" charset="0"/>
+        <a:buFont typeface="Arial" panose="020B0604020202020204" pitchFamily="34" charset="0"/>
         <a:buChar char="•"/>
         <a:defRPr sz="2000" kern="1200">
           <a:solidFill>
@@ -2901,7 +2894,7 @@
         <a:spcBef>
           <a:spcPct val="20000"/>
         </a:spcBef>
-        <a:buFont typeface="Arial" pitchFamily="34" charset="0"/>
+        <a:buFont typeface="Arial" panose="020B0604020202020204" pitchFamily="34" charset="0"/>
         <a:buChar char="•"/>
         <a:defRPr sz="2000" kern="1200">
           <a:solidFill>
@@ -2916,7 +2909,7 @@
         <a:spcBef>
           <a:spcPct val="20000"/>
         </a:spcBef>
-        <a:buFont typeface="Arial" pitchFamily="34" charset="0"/>
+        <a:buFont typeface="Arial" panose="020B0604020202020204" pitchFamily="34" charset="0"/>
         <a:buChar char="•"/>
         <a:defRPr sz="2000" kern="1200">
           <a:solidFill>
@@ -2931,7 +2924,7 @@
         <a:spcBef>
           <a:spcPct val="20000"/>
         </a:spcBef>
-        <a:buFont typeface="Arial" pitchFamily="34" charset="0"/>
+        <a:buFont typeface="Arial" panose="020B0604020202020204" pitchFamily="34" charset="0"/>
         <a:buChar char="•"/>
         <a:defRPr sz="2000" kern="1200">
           <a:solidFill>
@@ -3096,209 +3089,317 @@
           </a:fontRef>
         </p:style>
       </p:cxnSp>
+      <p:cxnSp>
+        <p:nvCxnSpPr>
+          <p:cNvPr id="104" name="直線接點 103"/>
+          <p:cNvCxnSpPr>
+            <a:endCxn id="13" idx="0"/>
+          </p:cNvCxnSpPr>
+          <p:nvPr/>
+        </p:nvCxnSpPr>
+        <p:spPr>
+          <a:xfrm flipH="1">
+            <a:off x="5490210" y="2449830"/>
+            <a:ext cx="3810" cy="521970"/>
+          </a:xfrm>
+          <a:prstGeom prst="line">
+            <a:avLst/>
+          </a:prstGeom>
+          <a:ln w="57150">
+            <a:solidFill>
+              <a:schemeClr val="tx1"/>
+            </a:solidFill>
+            <a:headEnd type="none" w="med" len="med"/>
+            <a:tailEnd type="none" w="med" len="med"/>
+          </a:ln>
+        </p:spPr>
+        <p:style>
+          <a:lnRef idx="1">
+            <a:schemeClr val="accent1"/>
+          </a:lnRef>
+          <a:fillRef idx="0">
+            <a:schemeClr val="accent1"/>
+          </a:fillRef>
+          <a:effectRef idx="0">
+            <a:schemeClr val="accent1"/>
+          </a:effectRef>
+          <a:fontRef idx="minor">
+            <a:schemeClr val="tx1"/>
+          </a:fontRef>
+        </p:style>
+      </p:cxnSp>
+      <p:cxnSp>
+        <p:nvCxnSpPr>
+          <p:cNvPr id="149" name="直線接點 148"/>
+          <p:cNvCxnSpPr/>
+          <p:nvPr/>
+        </p:nvCxnSpPr>
+        <p:spPr>
+          <a:xfrm>
+            <a:off x="8604250" y="1873885"/>
+            <a:ext cx="0" cy="1129030"/>
+          </a:xfrm>
+          <a:prstGeom prst="line">
+            <a:avLst/>
+          </a:prstGeom>
+          <a:ln w="57150">
+            <a:solidFill>
+              <a:schemeClr val="tx1"/>
+            </a:solidFill>
+            <a:headEnd type="none" w="med" len="med"/>
+            <a:tailEnd type="none" w="med" len="med"/>
+          </a:ln>
+        </p:spPr>
+        <p:style>
+          <a:lnRef idx="1">
+            <a:schemeClr val="accent1"/>
+          </a:lnRef>
+          <a:fillRef idx="0">
+            <a:schemeClr val="accent1"/>
+          </a:fillRef>
+          <a:effectRef idx="0">
+            <a:schemeClr val="accent1"/>
+          </a:effectRef>
+          <a:fontRef idx="minor">
+            <a:schemeClr val="tx1"/>
+          </a:fontRef>
+        </p:style>
+      </p:cxnSp>
       <p:grpSp>
         <p:nvGrpSpPr>
-          <p:cNvPr id="156" name="群組 155"/>
+          <p:cNvPr id="100" name="群組 99"/>
           <p:cNvGrpSpPr/>
           <p:nvPr/>
         </p:nvGrpSpPr>
         <p:grpSpPr>
-          <a:xfrm>
-            <a:off x="9144" y="1873611"/>
-            <a:ext cx="9089136" cy="2446013"/>
-            <a:chOff x="9144" y="1873611"/>
-            <a:chExt cx="9089136" cy="2446013"/>
+          <a:xfrm rot="0">
+            <a:off x="8890" y="2971800"/>
+            <a:ext cx="9089390" cy="1348105"/>
+            <a:chOff x="9144" y="2971800"/>
+            <a:chExt cx="9089136" cy="1347824"/>
           </a:xfrm>
         </p:grpSpPr>
-        <p:cxnSp>
-          <p:nvCxnSpPr>
-            <p:cNvPr id="149" name="直線接點 148"/>
-            <p:cNvCxnSpPr/>
-            <p:nvPr/>
-          </p:nvCxnSpPr>
-          <p:spPr>
-            <a:xfrm>
-              <a:off x="8604490" y="1873611"/>
-              <a:ext cx="0" cy="1129285"/>
-            </a:xfrm>
-            <a:prstGeom prst="line">
-              <a:avLst/>
-            </a:prstGeom>
-            <a:ln w="57150">
-              <a:solidFill>
-                <a:schemeClr val="tx1"/>
-              </a:solidFill>
-              <a:headEnd type="none" w="med" len="med"/>
-              <a:tailEnd type="none" w="med" len="med"/>
-            </a:ln>
-          </p:spPr>
-          <p:style>
-            <a:lnRef idx="1">
-              <a:schemeClr val="accent1"/>
-            </a:lnRef>
-            <a:fillRef idx="0">
-              <a:schemeClr val="accent1"/>
-            </a:fillRef>
-            <a:effectRef idx="0">
-              <a:schemeClr val="accent1"/>
-            </a:effectRef>
-            <a:fontRef idx="minor">
-              <a:schemeClr val="tx1"/>
-            </a:fontRef>
-          </p:style>
-        </p:cxnSp>
-        <p:cxnSp>
-          <p:nvCxnSpPr>
-            <p:cNvPr id="104" name="直線接點 103"/>
-            <p:cNvCxnSpPr/>
-            <p:nvPr/>
-          </p:nvCxnSpPr>
-          <p:spPr>
-            <a:xfrm>
-              <a:off x="3823109" y="2423160"/>
-              <a:ext cx="0" cy="1417320"/>
-            </a:xfrm>
-            <a:prstGeom prst="line">
-              <a:avLst/>
-            </a:prstGeom>
-            <a:ln w="57150">
-              <a:solidFill>
-                <a:schemeClr val="tx1"/>
-              </a:solidFill>
-              <a:headEnd type="none" w="med" len="med"/>
-              <a:tailEnd type="none" w="med" len="med"/>
-            </a:ln>
-          </p:spPr>
-          <p:style>
-            <a:lnRef idx="1">
-              <a:schemeClr val="accent1"/>
-            </a:lnRef>
-            <a:fillRef idx="0">
-              <a:schemeClr val="accent1"/>
-            </a:fillRef>
-            <a:effectRef idx="0">
-              <a:schemeClr val="accent1"/>
-            </a:effectRef>
-            <a:fontRef idx="minor">
-              <a:schemeClr val="tx1"/>
-            </a:fontRef>
-          </p:style>
-        </p:cxnSp>
         <p:grpSp>
           <p:nvGrpSpPr>
-            <p:cNvPr id="100" name="群組 99"/>
+            <p:cNvPr id="43" name="群組 42"/>
             <p:cNvGrpSpPr/>
             <p:nvPr/>
           </p:nvGrpSpPr>
           <p:grpSpPr>
             <a:xfrm>
               <a:off x="9144" y="2971800"/>
-              <a:ext cx="9089136" cy="1347824"/>
+              <a:ext cx="9089136" cy="914400"/>
               <a:chOff x="9144" y="2971800"/>
-              <a:chExt cx="9089136" cy="1347824"/>
+              <a:chExt cx="9089136" cy="914400"/>
             </a:xfrm>
           </p:grpSpPr>
+          <p:cxnSp>
+            <p:nvCxnSpPr>
+              <p:cNvPr id="30" name="直線單箭頭接點 29"/>
+              <p:cNvCxnSpPr>
+                <a:endCxn id="17" idx="1"/>
+              </p:cNvCxnSpPr>
+              <p:nvPr/>
+            </p:nvCxnSpPr>
+            <p:spPr>
+              <a:xfrm>
+                <a:off x="942759" y="3429000"/>
+                <a:ext cx="748891" cy="0"/>
+              </a:xfrm>
+              <a:prstGeom prst="straightConnector1">
+                <a:avLst/>
+              </a:prstGeom>
+              <a:ln w="57150">
+                <a:solidFill>
+                  <a:schemeClr val="tx1"/>
+                </a:solidFill>
+                <a:headEnd type="none" w="med" len="med"/>
+                <a:tailEnd type="triangle" w="med" len="med"/>
+              </a:ln>
+            </p:spPr>
+            <p:style>
+              <a:lnRef idx="1">
+                <a:schemeClr val="accent1"/>
+              </a:lnRef>
+              <a:fillRef idx="0">
+                <a:schemeClr val="accent1"/>
+              </a:fillRef>
+              <a:effectRef idx="0">
+                <a:schemeClr val="accent1"/>
+              </a:effectRef>
+              <a:fontRef idx="minor">
+                <a:schemeClr val="tx1"/>
+              </a:fontRef>
+            </p:style>
+          </p:cxnSp>
+          <p:cxnSp>
+            <p:nvCxnSpPr>
+              <p:cNvPr id="39" name="直線單箭頭接點 38"/>
+              <p:cNvCxnSpPr>
+                <a:endCxn id="22" idx="1"/>
+              </p:cNvCxnSpPr>
+              <p:nvPr/>
+            </p:nvCxnSpPr>
+            <p:spPr>
+              <a:xfrm>
+                <a:off x="7567564" y="3429000"/>
+                <a:ext cx="654724" cy="0"/>
+              </a:xfrm>
+              <a:prstGeom prst="straightConnector1">
+                <a:avLst/>
+              </a:prstGeom>
+              <a:ln w="57150">
+                <a:solidFill>
+                  <a:schemeClr val="tx1"/>
+                </a:solidFill>
+                <a:headEnd type="none" w="med" len="med"/>
+                <a:tailEnd type="triangle" w="med" len="med"/>
+              </a:ln>
+            </p:spPr>
+            <p:style>
+              <a:lnRef idx="1">
+                <a:schemeClr val="accent1"/>
+              </a:lnRef>
+              <a:fillRef idx="0">
+                <a:schemeClr val="accent1"/>
+              </a:fillRef>
+              <a:effectRef idx="0">
+                <a:schemeClr val="accent1"/>
+              </a:effectRef>
+              <a:fontRef idx="minor">
+                <a:schemeClr val="tx1"/>
+              </a:fontRef>
+            </p:style>
+          </p:cxnSp>
+          <p:sp>
+            <p:nvSpPr>
+              <p:cNvPr id="10" name="橢圓 9"/>
+              <p:cNvSpPr/>
+              <p:nvPr/>
+            </p:nvSpPr>
+            <p:spPr>
+              <a:xfrm>
+                <a:off x="45720" y="2971800"/>
+                <a:ext cx="914400" cy="914400"/>
+              </a:xfrm>
+              <a:prstGeom prst="ellipse">
+                <a:avLst/>
+              </a:prstGeom>
+              <a:noFill/>
+              <a:ln>
+                <a:solidFill>
+                  <a:schemeClr val="tx1"/>
+                </a:solidFill>
+              </a:ln>
+            </p:spPr>
+            <p:style>
+              <a:lnRef idx="2">
+                <a:schemeClr val="accent1">
+                  <a:shade val="50000"/>
+                </a:schemeClr>
+              </a:lnRef>
+              <a:fillRef idx="1">
+                <a:schemeClr val="accent1"/>
+              </a:fillRef>
+              <a:effectRef idx="0">
+                <a:schemeClr val="accent1"/>
+              </a:effectRef>
+              <a:fontRef idx="minor">
+                <a:schemeClr val="lt1"/>
+              </a:fontRef>
+            </p:style>
+            <p:txBody>
+              <a:bodyPr rtlCol="0" anchor="ctr"/>
+              <a:lstStyle/>
+              <a:p>
+                <a:pPr algn="ctr"/>
+                <a:endParaRPr lang="en-US" dirty="0">
+                  <a:solidFill>
+                    <a:schemeClr val="bg1"/>
+                  </a:solidFill>
+                </a:endParaRPr>
+              </a:p>
+            </p:txBody>
+          </p:sp>
+          <p:sp>
+            <p:nvSpPr>
+              <p:cNvPr id="16" name="文字方塊 15"/>
+              <p:cNvSpPr txBox="1"/>
+              <p:nvPr/>
+            </p:nvSpPr>
+            <p:spPr>
+              <a:xfrm>
+                <a:off x="9144" y="3213556"/>
+                <a:ext cx="1000366" cy="430887"/>
+              </a:xfrm>
+              <a:prstGeom prst="rect">
+                <a:avLst/>
+              </a:prstGeom>
+              <a:noFill/>
+            </p:spPr>
+            <p:txBody>
+              <a:bodyPr wrap="square" rtlCol="0">
+                <a:spAutoFit/>
+              </a:bodyPr>
+              <a:lstStyle/>
+              <a:p>
+                <a:r>
+                  <a:rPr lang="en-US" sz="1100" b="1" dirty="0" smtClean="0">
+                    <a:latin typeface="Arial" panose="020B0604020202020204" pitchFamily="34" charset="0"/>
+                    <a:cs typeface="Arial" panose="020B0604020202020204" pitchFamily="34" charset="0"/>
+                  </a:rPr>
+                  <a:t>Dormant 1</a:t>
+                </a:r>
+                <a:r>
+                  <a:rPr lang="en-US" sz="1100" b="1" baseline="30000" dirty="0" smtClean="0">
+                    <a:latin typeface="Arial" panose="020B0604020202020204" pitchFamily="34" charset="0"/>
+                    <a:cs typeface="Arial" panose="020B0604020202020204" pitchFamily="34" charset="0"/>
+                  </a:rPr>
+                  <a:t>st</a:t>
+                </a:r>
+                <a:endParaRPr lang="en-US" sz="1100" b="1" dirty="0" smtClean="0">
+                  <a:latin typeface="Arial" panose="020B0604020202020204" pitchFamily="34" charset="0"/>
+                  <a:cs typeface="Arial" panose="020B0604020202020204" pitchFamily="34" charset="0"/>
+                </a:endParaRPr>
+              </a:p>
+              <a:p>
+                <a:r>
+                  <a:rPr lang="en-US" sz="1100" b="1" dirty="0" smtClean="0">
+                    <a:latin typeface="Arial" panose="020B0604020202020204" pitchFamily="34" charset="0"/>
+                    <a:cs typeface="Arial" panose="020B0604020202020204" pitchFamily="34" charset="0"/>
+                  </a:rPr>
+                  <a:t>year seeds</a:t>
+                </a:r>
+                <a:endParaRPr lang="en-US" sz="1600" b="1" dirty="0">
+                  <a:latin typeface="Arial" panose="020B0604020202020204" pitchFamily="34" charset="0"/>
+                  <a:cs typeface="Arial" panose="020B0604020202020204" pitchFamily="34" charset="0"/>
+                </a:endParaRPr>
+              </a:p>
+            </p:txBody>
+          </p:sp>
           <p:grpSp>
             <p:nvGrpSpPr>
-              <p:cNvPr id="43" name="群組 42"/>
+              <p:cNvPr id="24" name="群組 23"/>
               <p:cNvGrpSpPr/>
               <p:nvPr/>
             </p:nvGrpSpPr>
             <p:grpSpPr>
               <a:xfrm>
-                <a:off x="9144" y="2971800"/>
-                <a:ext cx="9089136" cy="914400"/>
-                <a:chOff x="9144" y="2971800"/>
-                <a:chExt cx="9089136" cy="914400"/>
+                <a:off x="1691650" y="2971800"/>
+                <a:ext cx="1036926" cy="914400"/>
+                <a:chOff x="1749257" y="2971800"/>
+                <a:chExt cx="1036926" cy="914400"/>
               </a:xfrm>
             </p:grpSpPr>
-            <p:cxnSp>
-              <p:nvCxnSpPr>
-                <p:cNvPr id="30" name="直線單箭頭接點 29"/>
-                <p:cNvCxnSpPr>
-                  <a:endCxn id="17" idx="1"/>
-                </p:cNvCxnSpPr>
-                <p:nvPr/>
-              </p:nvCxnSpPr>
-              <p:spPr>
-                <a:xfrm>
-                  <a:off x="942759" y="3429000"/>
-                  <a:ext cx="748891" cy="0"/>
-                </a:xfrm>
-                <a:prstGeom prst="straightConnector1">
-                  <a:avLst/>
-                </a:prstGeom>
-                <a:ln w="57150">
-                  <a:solidFill>
-                    <a:schemeClr val="tx1"/>
-                  </a:solidFill>
-                  <a:headEnd type="none" w="med" len="med"/>
-                  <a:tailEnd type="triangle" w="med" len="med"/>
-                </a:ln>
-              </p:spPr>
-              <p:style>
-                <a:lnRef idx="1">
-                  <a:schemeClr val="accent1"/>
-                </a:lnRef>
-                <a:fillRef idx="0">
-                  <a:schemeClr val="accent1"/>
-                </a:fillRef>
-                <a:effectRef idx="0">
-                  <a:schemeClr val="accent1"/>
-                </a:effectRef>
-                <a:fontRef idx="minor">
-                  <a:schemeClr val="tx1"/>
-                </a:fontRef>
-              </p:style>
-            </p:cxnSp>
-            <p:cxnSp>
-              <p:nvCxnSpPr>
-                <p:cNvPr id="39" name="直線單箭頭接點 38"/>
-                <p:cNvCxnSpPr>
-                  <a:endCxn id="22" idx="1"/>
-                </p:cNvCxnSpPr>
-                <p:nvPr/>
-              </p:nvCxnSpPr>
-              <p:spPr>
-                <a:xfrm>
-                  <a:off x="7567564" y="3429000"/>
-                  <a:ext cx="654724" cy="0"/>
-                </a:xfrm>
-                <a:prstGeom prst="straightConnector1">
-                  <a:avLst/>
-                </a:prstGeom>
-                <a:ln w="57150">
-                  <a:solidFill>
-                    <a:schemeClr val="tx1"/>
-                  </a:solidFill>
-                  <a:headEnd type="none" w="med" len="med"/>
-                  <a:tailEnd type="triangle" w="med" len="med"/>
-                </a:ln>
-              </p:spPr>
-              <p:style>
-                <a:lnRef idx="1">
-                  <a:schemeClr val="accent1"/>
-                </a:lnRef>
-                <a:fillRef idx="0">
-                  <a:schemeClr val="accent1"/>
-                </a:fillRef>
-                <a:effectRef idx="0">
-                  <a:schemeClr val="accent1"/>
-                </a:effectRef>
-                <a:fontRef idx="minor">
-                  <a:schemeClr val="tx1"/>
-                </a:fontRef>
-              </p:style>
-            </p:cxnSp>
             <p:sp>
               <p:nvSpPr>
-                <p:cNvPr id="10" name="橢圓 9"/>
+                <p:cNvPr id="11" name="橢圓 10"/>
                 <p:cNvSpPr/>
                 <p:nvPr/>
               </p:nvSpPr>
               <p:spPr>
                 <a:xfrm>
-                  <a:off x="45720" y="2971800"/>
+                  <a:off x="1749257" y="2971800"/>
                   <a:ext cx="914400" cy="914400"/>
                 </a:xfrm>
                 <a:prstGeom prst="ellipse">
@@ -3332,24 +3433,20 @@
                 <a:lstStyle/>
                 <a:p>
                   <a:pPr algn="ctr"/>
-                  <a:endParaRPr lang="en-US" dirty="0">
-                    <a:solidFill>
-                      <a:schemeClr val="bg1"/>
-                    </a:solidFill>
-                  </a:endParaRPr>
+                  <a:endParaRPr lang="en-US"/>
                 </a:p>
               </p:txBody>
             </p:sp>
             <p:sp>
               <p:nvSpPr>
-                <p:cNvPr id="16" name="文字方塊 15"/>
+                <p:cNvPr id="17" name="文字方塊 16"/>
                 <p:cNvSpPr txBox="1"/>
                 <p:nvPr/>
               </p:nvSpPr>
               <p:spPr>
                 <a:xfrm>
-                  <a:off x="9144" y="3213556"/>
-                  <a:ext cx="1000366" cy="430887"/>
+                  <a:off x="1749257" y="3213556"/>
+                  <a:ext cx="1036926" cy="430887"/>
                 </a:xfrm>
                 <a:prstGeom prst="rect">
                   <a:avLst/>
@@ -3364,697 +3461,979 @@
                 <a:p>
                   <a:r>
                     <a:rPr lang="en-US" sz="1100" b="1" dirty="0" smtClean="0">
-                      <a:latin typeface="Arial" pitchFamily="34" charset="0"/>
-                      <a:cs typeface="Arial" pitchFamily="34" charset="0"/>
+                      <a:latin typeface="Arial" panose="020B0604020202020204" pitchFamily="34" charset="0"/>
+                      <a:cs typeface="Arial" panose="020B0604020202020204" pitchFamily="34" charset="0"/>
                     </a:rPr>
-                    <a:t>Dormant 1</a:t>
+                    <a:t>Dormant 2</a:t>
                   </a:r>
                   <a:r>
                     <a:rPr lang="en-US" sz="1100" b="1" baseline="30000" dirty="0" smtClean="0">
-                      <a:latin typeface="Arial" pitchFamily="34" charset="0"/>
-                      <a:cs typeface="Arial" pitchFamily="34" charset="0"/>
+                      <a:latin typeface="Arial" panose="020B0604020202020204" pitchFamily="34" charset="0"/>
+                      <a:cs typeface="Arial" panose="020B0604020202020204" pitchFamily="34" charset="0"/>
                     </a:rPr>
-                    <a:t>st</a:t>
+                    <a:t>nd</a:t>
                   </a:r>
                   <a:endParaRPr lang="en-US" sz="1100" b="1" dirty="0" smtClean="0">
-                    <a:latin typeface="Arial" pitchFamily="34" charset="0"/>
-                    <a:cs typeface="Arial" pitchFamily="34" charset="0"/>
+                    <a:latin typeface="Arial" panose="020B0604020202020204" pitchFamily="34" charset="0"/>
+                    <a:cs typeface="Arial" panose="020B0604020202020204" pitchFamily="34" charset="0"/>
                   </a:endParaRPr>
                 </a:p>
                 <a:p>
                   <a:r>
                     <a:rPr lang="en-US" sz="1100" b="1" dirty="0" smtClean="0">
-                      <a:latin typeface="Arial" pitchFamily="34" charset="0"/>
-                      <a:cs typeface="Arial" pitchFamily="34" charset="0"/>
+                      <a:latin typeface="Arial" panose="020B0604020202020204" pitchFamily="34" charset="0"/>
+                      <a:cs typeface="Arial" panose="020B0604020202020204" pitchFamily="34" charset="0"/>
                     </a:rPr>
                     <a:t>year seeds</a:t>
                   </a:r>
                   <a:endParaRPr lang="en-US" sz="1600" b="1" dirty="0">
-                    <a:latin typeface="Arial" pitchFamily="34" charset="0"/>
-                    <a:cs typeface="Arial" pitchFamily="34" charset="0"/>
+                    <a:latin typeface="Arial" panose="020B0604020202020204" pitchFamily="34" charset="0"/>
+                    <a:cs typeface="Arial" panose="020B0604020202020204" pitchFamily="34" charset="0"/>
                   </a:endParaRPr>
                 </a:p>
               </p:txBody>
             </p:sp>
-            <p:grpSp>
-              <p:nvGrpSpPr>
-                <p:cNvPr id="24" name="群組 23"/>
-                <p:cNvGrpSpPr/>
+          </p:grpSp>
+          <p:grpSp>
+            <p:nvGrpSpPr>
+              <p:cNvPr id="25" name="群組 24"/>
+              <p:cNvGrpSpPr/>
+              <p:nvPr/>
+            </p:nvGrpSpPr>
+            <p:grpSpPr>
+              <a:xfrm>
+                <a:off x="3362253" y="2971800"/>
+                <a:ext cx="921712" cy="914400"/>
+                <a:chOff x="3419860" y="2971800"/>
+                <a:chExt cx="921712" cy="914400"/>
+              </a:xfrm>
+            </p:grpSpPr>
+            <p:sp>
+              <p:nvSpPr>
+                <p:cNvPr id="12" name="橢圓 11"/>
+                <p:cNvSpPr/>
                 <p:nvPr/>
-              </p:nvGrpSpPr>
-              <p:grpSpPr>
-                <a:xfrm>
-                  <a:off x="1691650" y="2971800"/>
-                  <a:ext cx="1036926" cy="914400"/>
-                  <a:chOff x="1749257" y="2971800"/>
-                  <a:chExt cx="1036926" cy="914400"/>
-                </a:xfrm>
-              </p:grpSpPr>
-              <p:sp>
-                <p:nvSpPr>
-                  <p:cNvPr id="11" name="橢圓 10"/>
-                  <p:cNvSpPr/>
-                  <p:nvPr/>
-                </p:nvSpPr>
-                <p:spPr>
-                  <a:xfrm>
-                    <a:off x="1749257" y="2971800"/>
-                    <a:ext cx="914400" cy="914400"/>
-                  </a:xfrm>
-                  <a:prstGeom prst="ellipse">
-                    <a:avLst/>
-                  </a:prstGeom>
-                  <a:noFill/>
-                  <a:ln>
-                    <a:solidFill>
-                      <a:schemeClr val="tx1"/>
-                    </a:solidFill>
-                  </a:ln>
-                </p:spPr>
-                <p:style>
-                  <a:lnRef idx="2">
-                    <a:schemeClr val="accent1">
-                      <a:shade val="50000"/>
-                    </a:schemeClr>
-                  </a:lnRef>
-                  <a:fillRef idx="1">
-                    <a:schemeClr val="accent1"/>
-                  </a:fillRef>
-                  <a:effectRef idx="0">
-                    <a:schemeClr val="accent1"/>
-                  </a:effectRef>
-                  <a:fontRef idx="minor">
-                    <a:schemeClr val="lt1"/>
-                  </a:fontRef>
-                </p:style>
-                <p:txBody>
-                  <a:bodyPr rtlCol="0" anchor="ctr"/>
-                  <a:lstStyle/>
-                  <a:p>
-                    <a:pPr algn="ctr"/>
-                    <a:endParaRPr lang="en-US"/>
-                  </a:p>
-                </p:txBody>
-              </p:sp>
-              <p:sp>
-                <p:nvSpPr>
-                  <p:cNvPr id="17" name="文字方塊 16"/>
-                  <p:cNvSpPr txBox="1"/>
-                  <p:nvPr/>
-                </p:nvSpPr>
-                <p:spPr>
-                  <a:xfrm>
-                    <a:off x="1749257" y="3213556"/>
-                    <a:ext cx="1036926" cy="430887"/>
-                  </a:xfrm>
-                  <a:prstGeom prst="rect">
-                    <a:avLst/>
-                  </a:prstGeom>
-                  <a:noFill/>
-                </p:spPr>
-                <p:txBody>
-                  <a:bodyPr wrap="square" rtlCol="0">
-                    <a:spAutoFit/>
-                  </a:bodyPr>
-                  <a:lstStyle/>
-                  <a:p>
-                    <a:r>
-                      <a:rPr lang="en-US" sz="1100" b="1" dirty="0" smtClean="0">
-                        <a:latin typeface="Arial" pitchFamily="34" charset="0"/>
-                        <a:cs typeface="Arial" pitchFamily="34" charset="0"/>
-                      </a:rPr>
-                      <a:t>Dormant 2</a:t>
-                    </a:r>
-                    <a:r>
-                      <a:rPr lang="en-US" sz="1100" b="1" baseline="30000" dirty="0" smtClean="0">
-                        <a:latin typeface="Arial" pitchFamily="34" charset="0"/>
-                        <a:cs typeface="Arial" pitchFamily="34" charset="0"/>
-                      </a:rPr>
-                      <a:t>nd</a:t>
-                    </a:r>
-                    <a:endParaRPr lang="en-US" sz="1100" b="1" dirty="0" smtClean="0">
-                      <a:latin typeface="Arial" pitchFamily="34" charset="0"/>
-                      <a:cs typeface="Arial" pitchFamily="34" charset="0"/>
-                    </a:endParaRPr>
-                  </a:p>
-                  <a:p>
-                    <a:r>
-                      <a:rPr lang="en-US" sz="1100" b="1" dirty="0" smtClean="0">
-                        <a:latin typeface="Arial" pitchFamily="34" charset="0"/>
-                        <a:cs typeface="Arial" pitchFamily="34" charset="0"/>
-                      </a:rPr>
-                      <a:t>year seeds</a:t>
-                    </a:r>
-                    <a:endParaRPr lang="en-US" sz="1600" b="1" dirty="0">
-                      <a:latin typeface="Arial" pitchFamily="34" charset="0"/>
-                      <a:cs typeface="Arial" pitchFamily="34" charset="0"/>
-                    </a:endParaRPr>
-                  </a:p>
-                </p:txBody>
-              </p:sp>
-            </p:grpSp>
-            <p:grpSp>
-              <p:nvGrpSpPr>
-                <p:cNvPr id="25" name="群組 24"/>
-                <p:cNvGrpSpPr/>
-                <p:nvPr/>
-              </p:nvGrpSpPr>
-              <p:grpSpPr>
-                <a:xfrm>
-                  <a:off x="3362253" y="2971800"/>
-                  <a:ext cx="921712" cy="914400"/>
-                  <a:chOff x="3419860" y="2971800"/>
-                  <a:chExt cx="921712" cy="914400"/>
-                </a:xfrm>
-              </p:grpSpPr>
-              <p:sp>
-                <p:nvSpPr>
-                  <p:cNvPr id="12" name="橢圓 11"/>
-                  <p:cNvSpPr/>
-                  <p:nvPr/>
-                </p:nvSpPr>
-                <p:spPr>
-                  <a:xfrm>
-                    <a:off x="3419860" y="2971800"/>
-                    <a:ext cx="914400" cy="914400"/>
-                  </a:xfrm>
-                  <a:prstGeom prst="ellipse">
-                    <a:avLst/>
-                  </a:prstGeom>
-                  <a:solidFill>
-                    <a:schemeClr val="bg1"/>
-                  </a:solidFill>
-                  <a:ln>
-                    <a:solidFill>
-                      <a:schemeClr val="tx1"/>
-                    </a:solidFill>
-                  </a:ln>
-                </p:spPr>
-                <p:style>
-                  <a:lnRef idx="2">
-                    <a:schemeClr val="accent1">
-                      <a:shade val="50000"/>
-                    </a:schemeClr>
-                  </a:lnRef>
-                  <a:fillRef idx="1">
-                    <a:schemeClr val="accent1"/>
-                  </a:fillRef>
-                  <a:effectRef idx="0">
-                    <a:schemeClr val="accent1"/>
-                  </a:effectRef>
-                  <a:fontRef idx="minor">
-                    <a:schemeClr val="lt1"/>
-                  </a:fontRef>
-                </p:style>
-                <p:txBody>
-                  <a:bodyPr rtlCol="0" anchor="ctr"/>
-                  <a:lstStyle/>
-                  <a:p>
-                    <a:pPr algn="ctr"/>
-                    <a:endParaRPr lang="en-US"/>
-                  </a:p>
-                </p:txBody>
-              </p:sp>
-              <p:sp>
-                <p:nvSpPr>
-                  <p:cNvPr id="18" name="文字方塊 17"/>
-                  <p:cNvSpPr txBox="1"/>
-                  <p:nvPr/>
-                </p:nvSpPr>
-                <p:spPr>
-                  <a:xfrm>
-                    <a:off x="3419860" y="3213556"/>
-                    <a:ext cx="921712" cy="430887"/>
-                  </a:xfrm>
-                  <a:prstGeom prst="rect">
-                    <a:avLst/>
-                  </a:prstGeom>
-                  <a:noFill/>
-                </p:spPr>
-                <p:txBody>
-                  <a:bodyPr wrap="square" rtlCol="0">
-                    <a:spAutoFit/>
-                  </a:bodyPr>
-                  <a:lstStyle/>
-                  <a:p>
-                    <a:pPr algn="ctr"/>
-                    <a:r>
-                      <a:rPr lang="en-US" sz="1100" b="1" dirty="0" smtClean="0">
-                        <a:latin typeface="Arial" pitchFamily="34" charset="0"/>
-                        <a:cs typeface="Arial" pitchFamily="34" charset="0"/>
-                      </a:rPr>
-                      <a:t>Small rosettes</a:t>
-                    </a:r>
-                    <a:endParaRPr lang="en-US" sz="1600" b="1" dirty="0">
-                      <a:latin typeface="Arial" pitchFamily="34" charset="0"/>
-                      <a:cs typeface="Arial" pitchFamily="34" charset="0"/>
-                    </a:endParaRPr>
-                  </a:p>
-                </p:txBody>
-              </p:sp>
-            </p:grpSp>
-            <p:grpSp>
-              <p:nvGrpSpPr>
-                <p:cNvPr id="26" name="群組 25"/>
-                <p:cNvGrpSpPr/>
-                <p:nvPr/>
-              </p:nvGrpSpPr>
-              <p:grpSpPr>
-                <a:xfrm>
-                  <a:off x="5032856" y="2971800"/>
-                  <a:ext cx="921712" cy="914400"/>
-                  <a:chOff x="5090463" y="2971800"/>
-                  <a:chExt cx="921712" cy="914400"/>
-                </a:xfrm>
-              </p:grpSpPr>
-              <p:sp>
-                <p:nvSpPr>
-                  <p:cNvPr id="13" name="橢圓 12"/>
-                  <p:cNvSpPr/>
-                  <p:nvPr/>
-                </p:nvSpPr>
-                <p:spPr>
-                  <a:xfrm>
-                    <a:off x="5090463" y="2971800"/>
-                    <a:ext cx="914400" cy="914400"/>
-                  </a:xfrm>
-                  <a:prstGeom prst="ellipse">
-                    <a:avLst/>
-                  </a:prstGeom>
-                  <a:noFill/>
-                  <a:ln>
-                    <a:solidFill>
-                      <a:schemeClr val="tx1"/>
-                    </a:solidFill>
-                  </a:ln>
-                </p:spPr>
-                <p:style>
-                  <a:lnRef idx="2">
-                    <a:schemeClr val="accent1">
-                      <a:shade val="50000"/>
-                    </a:schemeClr>
-                  </a:lnRef>
-                  <a:fillRef idx="1">
-                    <a:schemeClr val="accent1"/>
-                  </a:fillRef>
-                  <a:effectRef idx="0">
-                    <a:schemeClr val="accent1"/>
-                  </a:effectRef>
-                  <a:fontRef idx="minor">
-                    <a:schemeClr val="lt1"/>
-                  </a:fontRef>
-                </p:style>
-                <p:txBody>
-                  <a:bodyPr rtlCol="0" anchor="ctr"/>
-                  <a:lstStyle/>
-                  <a:p>
-                    <a:pPr algn="ctr"/>
-                    <a:endParaRPr lang="en-US"/>
-                  </a:p>
-                </p:txBody>
-              </p:sp>
-              <p:sp>
-                <p:nvSpPr>
-                  <p:cNvPr id="19" name="文字方塊 18"/>
-                  <p:cNvSpPr txBox="1"/>
-                  <p:nvPr/>
-                </p:nvSpPr>
-                <p:spPr>
-                  <a:xfrm>
-                    <a:off x="5090463" y="3213556"/>
-                    <a:ext cx="921712" cy="430887"/>
-                  </a:xfrm>
-                  <a:prstGeom prst="rect">
-                    <a:avLst/>
-                  </a:prstGeom>
-                  <a:noFill/>
-                </p:spPr>
-                <p:txBody>
-                  <a:bodyPr wrap="square" rtlCol="0">
-                    <a:spAutoFit/>
-                  </a:bodyPr>
-                  <a:lstStyle/>
-                  <a:p>
-                    <a:pPr algn="ctr"/>
-                    <a:r>
-                      <a:rPr lang="en-US" sz="1100" b="1" dirty="0" smtClean="0">
-                        <a:latin typeface="Arial" pitchFamily="34" charset="0"/>
-                        <a:cs typeface="Arial" pitchFamily="34" charset="0"/>
-                      </a:rPr>
-                      <a:t>Medium</a:t>
-                    </a:r>
-                  </a:p>
-                  <a:p>
-                    <a:pPr algn="ctr"/>
-                    <a:r>
-                      <a:rPr lang="en-US" sz="1100" b="1" dirty="0" smtClean="0">
-                        <a:latin typeface="Arial" pitchFamily="34" charset="0"/>
-                        <a:cs typeface="Arial" pitchFamily="34" charset="0"/>
-                      </a:rPr>
-                      <a:t>rosettes</a:t>
-                    </a:r>
-                    <a:endParaRPr lang="en-US" sz="1600" b="1" dirty="0">
-                      <a:latin typeface="Arial" pitchFamily="34" charset="0"/>
-                      <a:cs typeface="Arial" pitchFamily="34" charset="0"/>
-                    </a:endParaRPr>
-                  </a:p>
-                </p:txBody>
-              </p:sp>
-            </p:grpSp>
-            <p:grpSp>
-              <p:nvGrpSpPr>
-                <p:cNvPr id="27" name="群組 26"/>
-                <p:cNvGrpSpPr/>
-                <p:nvPr/>
-              </p:nvGrpSpPr>
-              <p:grpSpPr>
-                <a:xfrm>
-                  <a:off x="6645852" y="2971800"/>
-                  <a:ext cx="921712" cy="914400"/>
-                  <a:chOff x="6703459" y="2971800"/>
-                  <a:chExt cx="921712" cy="914400"/>
-                </a:xfrm>
-              </p:grpSpPr>
-              <p:sp>
-                <p:nvSpPr>
-                  <p:cNvPr id="14" name="橢圓 13"/>
-                  <p:cNvSpPr/>
-                  <p:nvPr/>
-                </p:nvSpPr>
-                <p:spPr>
-                  <a:xfrm>
-                    <a:off x="6703459" y="2971800"/>
-                    <a:ext cx="914400" cy="914400"/>
-                  </a:xfrm>
-                  <a:prstGeom prst="ellipse">
-                    <a:avLst/>
-                  </a:prstGeom>
-                  <a:solidFill>
-                    <a:schemeClr val="bg1"/>
-                  </a:solidFill>
-                  <a:ln>
-                    <a:solidFill>
-                      <a:schemeClr val="tx1"/>
-                    </a:solidFill>
-                  </a:ln>
-                </p:spPr>
-                <p:style>
-                  <a:lnRef idx="2">
-                    <a:schemeClr val="accent1">
-                      <a:shade val="50000"/>
-                    </a:schemeClr>
-                  </a:lnRef>
-                  <a:fillRef idx="1">
-                    <a:schemeClr val="accent1"/>
-                  </a:fillRef>
-                  <a:effectRef idx="0">
-                    <a:schemeClr val="accent1"/>
-                  </a:effectRef>
-                  <a:fontRef idx="minor">
-                    <a:schemeClr val="lt1"/>
-                  </a:fontRef>
-                </p:style>
-                <p:txBody>
-                  <a:bodyPr rtlCol="0" anchor="ctr"/>
-                  <a:lstStyle/>
-                  <a:p>
-                    <a:pPr algn="ctr"/>
-                    <a:endParaRPr lang="en-US"/>
-                  </a:p>
-                </p:txBody>
-              </p:sp>
-              <p:sp>
-                <p:nvSpPr>
-                  <p:cNvPr id="20" name="文字方塊 19"/>
-                  <p:cNvSpPr txBox="1"/>
-                  <p:nvPr/>
-                </p:nvSpPr>
-                <p:spPr>
-                  <a:xfrm>
-                    <a:off x="6703459" y="3213556"/>
-                    <a:ext cx="921712" cy="430887"/>
-                  </a:xfrm>
-                  <a:prstGeom prst="rect">
-                    <a:avLst/>
-                  </a:prstGeom>
-                  <a:noFill/>
-                </p:spPr>
-                <p:txBody>
-                  <a:bodyPr wrap="square" rtlCol="0">
-                    <a:spAutoFit/>
-                  </a:bodyPr>
-                  <a:lstStyle/>
-                  <a:p>
-                    <a:pPr algn="ctr"/>
-                    <a:r>
-                      <a:rPr lang="en-US" sz="1100" b="1" dirty="0" smtClean="0">
-                        <a:latin typeface="Arial" pitchFamily="34" charset="0"/>
-                        <a:cs typeface="Arial" pitchFamily="34" charset="0"/>
-                      </a:rPr>
-                      <a:t>Large</a:t>
-                    </a:r>
-                  </a:p>
-                  <a:p>
-                    <a:pPr algn="ctr"/>
-                    <a:r>
-                      <a:rPr lang="en-US" sz="1100" b="1" dirty="0" smtClean="0">
-                        <a:latin typeface="Arial" pitchFamily="34" charset="0"/>
-                        <a:cs typeface="Arial" pitchFamily="34" charset="0"/>
-                      </a:rPr>
-                      <a:t>rosettes</a:t>
-                    </a:r>
-                    <a:endParaRPr lang="en-US" sz="1600" b="1" dirty="0">
-                      <a:latin typeface="Arial" pitchFamily="34" charset="0"/>
-                      <a:cs typeface="Arial" pitchFamily="34" charset="0"/>
-                    </a:endParaRPr>
-                  </a:p>
-                </p:txBody>
-              </p:sp>
-            </p:grpSp>
-            <p:grpSp>
-              <p:nvGrpSpPr>
-                <p:cNvPr id="28" name="群組 27"/>
-                <p:cNvGrpSpPr/>
-                <p:nvPr/>
-              </p:nvGrpSpPr>
-              <p:grpSpPr>
-                <a:xfrm>
-                  <a:off x="8183880" y="2971800"/>
-                  <a:ext cx="914400" cy="914400"/>
-                  <a:chOff x="8183880" y="2971800"/>
-                  <a:chExt cx="914400" cy="914400"/>
-                </a:xfrm>
-              </p:grpSpPr>
-              <p:sp>
-                <p:nvSpPr>
-                  <p:cNvPr id="15" name="橢圓 14"/>
-                  <p:cNvSpPr/>
-                  <p:nvPr/>
-                </p:nvSpPr>
-                <p:spPr>
-                  <a:xfrm>
-                    <a:off x="8183880" y="2971800"/>
-                    <a:ext cx="914400" cy="914400"/>
-                  </a:xfrm>
-                  <a:prstGeom prst="ellipse">
-                    <a:avLst/>
-                  </a:prstGeom>
-                  <a:solidFill>
-                    <a:schemeClr val="bg1"/>
-                  </a:solidFill>
-                  <a:ln>
-                    <a:solidFill>
-                      <a:schemeClr val="tx1"/>
-                    </a:solidFill>
-                  </a:ln>
-                </p:spPr>
-                <p:style>
-                  <a:lnRef idx="2">
-                    <a:schemeClr val="accent1">
-                      <a:shade val="50000"/>
-                    </a:schemeClr>
-                  </a:lnRef>
-                  <a:fillRef idx="1">
-                    <a:schemeClr val="accent1"/>
-                  </a:fillRef>
-                  <a:effectRef idx="0">
-                    <a:schemeClr val="accent1"/>
-                  </a:effectRef>
-                  <a:fontRef idx="minor">
-                    <a:schemeClr val="lt1"/>
-                  </a:fontRef>
-                </p:style>
-                <p:txBody>
-                  <a:bodyPr rtlCol="0" anchor="ctr"/>
-                  <a:lstStyle/>
-                  <a:p>
-                    <a:pPr algn="ctr"/>
-                    <a:endParaRPr lang="en-US"/>
-                  </a:p>
-                </p:txBody>
-              </p:sp>
-              <p:sp>
-                <p:nvSpPr>
-                  <p:cNvPr id="22" name="文字方塊 21"/>
-                  <p:cNvSpPr txBox="1"/>
-                  <p:nvPr/>
-                </p:nvSpPr>
-                <p:spPr>
-                  <a:xfrm>
-                    <a:off x="8222288" y="3213556"/>
-                    <a:ext cx="843058" cy="430887"/>
-                  </a:xfrm>
-                  <a:prstGeom prst="rect">
-                    <a:avLst/>
-                  </a:prstGeom>
-                  <a:noFill/>
-                </p:spPr>
-                <p:txBody>
-                  <a:bodyPr wrap="square" rtlCol="0">
-                    <a:spAutoFit/>
-                  </a:bodyPr>
-                  <a:lstStyle/>
-                  <a:p>
-                    <a:pPr algn="ctr"/>
-                    <a:r>
-                      <a:rPr lang="en-US" sz="1100" b="1" dirty="0" smtClean="0">
-                        <a:latin typeface="Arial" pitchFamily="34" charset="0"/>
-                        <a:cs typeface="Arial" pitchFamily="34" charset="0"/>
-                      </a:rPr>
-                      <a:t>Flowering plants</a:t>
-                    </a:r>
-                    <a:endParaRPr lang="en-US" sz="1600" b="1" dirty="0">
-                      <a:latin typeface="Arial" pitchFamily="34" charset="0"/>
-                      <a:cs typeface="Arial" pitchFamily="34" charset="0"/>
-                    </a:endParaRPr>
-                  </a:p>
-                </p:txBody>
-              </p:sp>
-            </p:grpSp>
-            <p:cxnSp>
-              <p:nvCxnSpPr>
-                <p:cNvPr id="32" name="直線單箭頭接點 31"/>
-                <p:cNvCxnSpPr/>
-                <p:nvPr/>
-              </p:nvCxnSpPr>
+              </p:nvSpPr>
               <p:spPr>
                 <a:xfrm>
-                  <a:off x="2613362" y="3429000"/>
-                  <a:ext cx="748891" cy="0"/>
+                  <a:off x="3419860" y="2971800"/>
+                  <a:ext cx="914400" cy="914400"/>
                 </a:xfrm>
-                <a:prstGeom prst="straightConnector1">
+                <a:prstGeom prst="ellipse">
                   <a:avLst/>
                 </a:prstGeom>
-                <a:ln w="57150">
+                <a:solidFill>
+                  <a:schemeClr val="bg1"/>
+                </a:solidFill>
+                <a:ln>
                   <a:solidFill>
                     <a:schemeClr val="tx1"/>
                   </a:solidFill>
-                  <a:headEnd type="none" w="med" len="med"/>
-                  <a:tailEnd type="triangle" w="med" len="med"/>
                 </a:ln>
               </p:spPr>
               <p:style>
-                <a:lnRef idx="1">
-                  <a:schemeClr val="accent1"/>
+                <a:lnRef idx="2">
+                  <a:schemeClr val="accent1">
+                    <a:shade val="50000"/>
+                  </a:schemeClr>
                 </a:lnRef>
-                <a:fillRef idx="0">
+                <a:fillRef idx="1">
                   <a:schemeClr val="accent1"/>
                 </a:fillRef>
                 <a:effectRef idx="0">
                   <a:schemeClr val="accent1"/>
                 </a:effectRef>
                 <a:fontRef idx="minor">
-                  <a:schemeClr val="tx1"/>
+                  <a:schemeClr val="lt1"/>
                 </a:fontRef>
               </p:style>
-            </p:cxnSp>
-            <p:cxnSp>
-              <p:nvCxnSpPr>
-                <p:cNvPr id="33" name="直線單箭頭接點 32"/>
-                <p:cNvCxnSpPr>
-                  <a:stCxn id="18" idx="3"/>
-                  <a:endCxn id="19" idx="1"/>
-                </p:cNvCxnSpPr>
+              <p:txBody>
+                <a:bodyPr rtlCol="0" anchor="ctr"/>
+                <a:lstStyle/>
+                <a:p>
+                  <a:pPr algn="ctr"/>
+                  <a:endParaRPr lang="en-US"/>
+                </a:p>
+              </p:txBody>
+            </p:sp>
+            <p:sp>
+              <p:nvSpPr>
+                <p:cNvPr id="18" name="文字方塊 17"/>
+                <p:cNvSpPr txBox="1"/>
                 <p:nvPr/>
-              </p:nvCxnSpPr>
+              </p:nvSpPr>
               <p:spPr>
                 <a:xfrm>
-                  <a:off x="4283965" y="3429000"/>
-                  <a:ext cx="748891" cy="0"/>
+                  <a:off x="3419860" y="3213556"/>
+                  <a:ext cx="921712" cy="430887"/>
                 </a:xfrm>
-                <a:prstGeom prst="straightConnector1">
+                <a:prstGeom prst="rect">
                   <a:avLst/>
                 </a:prstGeom>
-                <a:ln w="57150">
+                <a:noFill/>
+              </p:spPr>
+              <p:txBody>
+                <a:bodyPr wrap="square" rtlCol="0">
+                  <a:spAutoFit/>
+                </a:bodyPr>
+                <a:lstStyle/>
+                <a:p>
+                  <a:pPr algn="ctr"/>
+                  <a:r>
+                    <a:rPr lang="en-US" sz="1100" b="1" dirty="0" smtClean="0">
+                      <a:latin typeface="Arial" panose="020B0604020202020204" pitchFamily="34" charset="0"/>
+                      <a:cs typeface="Arial" panose="020B0604020202020204" pitchFamily="34" charset="0"/>
+                    </a:rPr>
+                    <a:t>Small rosettes</a:t>
+                  </a:r>
+                  <a:endParaRPr lang="en-US" sz="1600" b="1" dirty="0">
+                    <a:latin typeface="Arial" panose="020B0604020202020204" pitchFamily="34" charset="0"/>
+                    <a:cs typeface="Arial" panose="020B0604020202020204" pitchFamily="34" charset="0"/>
+                  </a:endParaRPr>
+                </a:p>
+              </p:txBody>
+            </p:sp>
+          </p:grpSp>
+          <p:grpSp>
+            <p:nvGrpSpPr>
+              <p:cNvPr id="26" name="群組 25"/>
+              <p:cNvGrpSpPr/>
+              <p:nvPr/>
+            </p:nvGrpSpPr>
+            <p:grpSpPr>
+              <a:xfrm>
+                <a:off x="5032856" y="2971800"/>
+                <a:ext cx="921712" cy="914400"/>
+                <a:chOff x="5090463" y="2971800"/>
+                <a:chExt cx="921712" cy="914400"/>
+              </a:xfrm>
+            </p:grpSpPr>
+            <p:sp>
+              <p:nvSpPr>
+                <p:cNvPr id="19" name="文字方塊 18"/>
+                <p:cNvSpPr txBox="1"/>
+                <p:nvPr/>
+              </p:nvSpPr>
+              <p:spPr>
+                <a:xfrm>
+                  <a:off x="5090463" y="3213556"/>
+                  <a:ext cx="921712" cy="430887"/>
+                </a:xfrm>
+                <a:prstGeom prst="rect">
+                  <a:avLst/>
+                </a:prstGeom>
+                <a:noFill/>
+              </p:spPr>
+              <p:txBody>
+                <a:bodyPr wrap="square" rtlCol="0">
+                  <a:spAutoFit/>
+                </a:bodyPr>
+                <a:lstStyle/>
+                <a:p>
+                  <a:pPr algn="ctr"/>
+                  <a:r>
+                    <a:rPr lang="en-US" sz="1100" b="1" dirty="0" smtClean="0">
+                      <a:latin typeface="Arial" panose="020B0604020202020204" pitchFamily="34" charset="0"/>
+                      <a:cs typeface="Arial" panose="020B0604020202020204" pitchFamily="34" charset="0"/>
+                    </a:rPr>
+                    <a:t>Medium</a:t>
+                  </a:r>
+                  <a:endParaRPr lang="en-US" sz="1100" b="1" dirty="0" smtClean="0">
+                    <a:latin typeface="Arial" panose="020B0604020202020204" pitchFamily="34" charset="0"/>
+                    <a:cs typeface="Arial" panose="020B0604020202020204" pitchFamily="34" charset="0"/>
+                  </a:endParaRPr>
+                </a:p>
+                <a:p>
+                  <a:pPr algn="ctr"/>
+                  <a:r>
+                    <a:rPr lang="en-US" sz="1100" b="1" dirty="0" smtClean="0">
+                      <a:latin typeface="Arial" panose="020B0604020202020204" pitchFamily="34" charset="0"/>
+                      <a:cs typeface="Arial" panose="020B0604020202020204" pitchFamily="34" charset="0"/>
+                    </a:rPr>
+                    <a:t>rosettes</a:t>
+                  </a:r>
+                  <a:endParaRPr lang="en-US" sz="1600" b="1" dirty="0">
+                    <a:latin typeface="Arial" panose="020B0604020202020204" pitchFamily="34" charset="0"/>
+                    <a:cs typeface="Arial" panose="020B0604020202020204" pitchFamily="34" charset="0"/>
+                  </a:endParaRPr>
+                </a:p>
+              </p:txBody>
+            </p:sp>
+            <p:sp>
+              <p:nvSpPr>
+                <p:cNvPr id="13" name="橢圓 12"/>
+                <p:cNvSpPr/>
+                <p:nvPr/>
+              </p:nvSpPr>
+              <p:spPr>
+                <a:xfrm>
+                  <a:off x="5090463" y="2971800"/>
+                  <a:ext cx="914400" cy="914400"/>
+                </a:xfrm>
+                <a:prstGeom prst="ellipse">
+                  <a:avLst/>
+                </a:prstGeom>
+                <a:noFill/>
+                <a:ln>
                   <a:solidFill>
                     <a:schemeClr val="tx1"/>
                   </a:solidFill>
-                  <a:headEnd type="none" w="med" len="med"/>
-                  <a:tailEnd type="triangle" w="med" len="med"/>
                 </a:ln>
               </p:spPr>
               <p:style>
-                <a:lnRef idx="1">
-                  <a:schemeClr val="accent1"/>
+                <a:lnRef idx="2">
+                  <a:schemeClr val="accent1">
+                    <a:shade val="50000"/>
+                  </a:schemeClr>
                 </a:lnRef>
-                <a:fillRef idx="0">
+                <a:fillRef idx="1">
                   <a:schemeClr val="accent1"/>
                 </a:fillRef>
                 <a:effectRef idx="0">
                   <a:schemeClr val="accent1"/>
                 </a:effectRef>
                 <a:fontRef idx="minor">
-                  <a:schemeClr val="tx1"/>
+                  <a:schemeClr val="lt1"/>
                 </a:fontRef>
               </p:style>
-            </p:cxnSp>
-            <p:cxnSp>
-              <p:nvCxnSpPr>
-                <p:cNvPr id="36" name="直線單箭頭接點 35"/>
-                <p:cNvCxnSpPr/>
+              <p:txBody>
+                <a:bodyPr rtlCol="0" anchor="ctr"/>
+                <a:lstStyle/>
+                <a:p>
+                  <a:pPr algn="ctr"/>
+                  <a:endParaRPr lang="en-US"/>
+                </a:p>
+              </p:txBody>
+            </p:sp>
+          </p:grpSp>
+          <p:grpSp>
+            <p:nvGrpSpPr>
+              <p:cNvPr id="27" name="群組 26"/>
+              <p:cNvGrpSpPr/>
+              <p:nvPr/>
+            </p:nvGrpSpPr>
+            <p:grpSpPr>
+              <a:xfrm>
+                <a:off x="6645852" y="2971800"/>
+                <a:ext cx="921712" cy="914400"/>
+                <a:chOff x="6703459" y="2971800"/>
+                <a:chExt cx="921712" cy="914400"/>
+              </a:xfrm>
+            </p:grpSpPr>
+            <p:sp>
+              <p:nvSpPr>
+                <p:cNvPr id="14" name="橢圓 13"/>
+                <p:cNvSpPr/>
                 <p:nvPr/>
-              </p:nvCxnSpPr>
+              </p:nvSpPr>
               <p:spPr>
                 <a:xfrm>
-                  <a:off x="5954568" y="3408579"/>
-                  <a:ext cx="713232" cy="0"/>
+                  <a:off x="6703459" y="2971800"/>
+                  <a:ext cx="914400" cy="914400"/>
                 </a:xfrm>
-                <a:prstGeom prst="straightConnector1">
+                <a:prstGeom prst="ellipse">
                   <a:avLst/>
                 </a:prstGeom>
-                <a:ln w="57150">
+                <a:solidFill>
+                  <a:schemeClr val="bg1"/>
+                </a:solidFill>
+                <a:ln>
                   <a:solidFill>
                     <a:schemeClr val="tx1"/>
                   </a:solidFill>
-                  <a:headEnd type="none" w="med" len="med"/>
-                  <a:tailEnd type="triangle" w="med" len="med"/>
                 </a:ln>
               </p:spPr>
               <p:style>
-                <a:lnRef idx="1">
-                  <a:schemeClr val="accent1"/>
+                <a:lnRef idx="2">
+                  <a:schemeClr val="accent1">
+                    <a:shade val="50000"/>
+                  </a:schemeClr>
                 </a:lnRef>
-                <a:fillRef idx="0">
+                <a:fillRef idx="1">
                   <a:schemeClr val="accent1"/>
                 </a:fillRef>
                 <a:effectRef idx="0">
                   <a:schemeClr val="accent1"/>
                 </a:effectRef>
                 <a:fontRef idx="minor">
-                  <a:schemeClr val="tx1"/>
+                  <a:schemeClr val="lt1"/>
                 </a:fontRef>
               </p:style>
-            </p:cxnSp>
+              <p:txBody>
+                <a:bodyPr rtlCol="0" anchor="ctr"/>
+                <a:lstStyle/>
+                <a:p>
+                  <a:pPr algn="ctr"/>
+                  <a:endParaRPr lang="en-US"/>
+                </a:p>
+              </p:txBody>
+            </p:sp>
+            <p:sp>
+              <p:nvSpPr>
+                <p:cNvPr id="20" name="文字方塊 19"/>
+                <p:cNvSpPr txBox="1"/>
+                <p:nvPr/>
+              </p:nvSpPr>
+              <p:spPr>
+                <a:xfrm>
+                  <a:off x="6703459" y="3213556"/>
+                  <a:ext cx="921712" cy="430887"/>
+                </a:xfrm>
+                <a:prstGeom prst="rect">
+                  <a:avLst/>
+                </a:prstGeom>
+                <a:noFill/>
+              </p:spPr>
+              <p:txBody>
+                <a:bodyPr wrap="square" rtlCol="0">
+                  <a:spAutoFit/>
+                </a:bodyPr>
+                <a:lstStyle/>
+                <a:p>
+                  <a:pPr algn="ctr"/>
+                  <a:r>
+                    <a:rPr lang="en-US" sz="1100" b="1" dirty="0" smtClean="0">
+                      <a:latin typeface="Arial" panose="020B0604020202020204" pitchFamily="34" charset="0"/>
+                      <a:cs typeface="Arial" panose="020B0604020202020204" pitchFamily="34" charset="0"/>
+                    </a:rPr>
+                    <a:t>Large</a:t>
+                  </a:r>
+                  <a:endParaRPr lang="en-US" sz="1100" b="1" dirty="0" smtClean="0">
+                    <a:latin typeface="Arial" panose="020B0604020202020204" pitchFamily="34" charset="0"/>
+                    <a:cs typeface="Arial" panose="020B0604020202020204" pitchFamily="34" charset="0"/>
+                  </a:endParaRPr>
+                </a:p>
+                <a:p>
+                  <a:pPr algn="ctr"/>
+                  <a:r>
+                    <a:rPr lang="en-US" sz="1100" b="1" dirty="0" smtClean="0">
+                      <a:latin typeface="Arial" panose="020B0604020202020204" pitchFamily="34" charset="0"/>
+                      <a:cs typeface="Arial" panose="020B0604020202020204" pitchFamily="34" charset="0"/>
+                    </a:rPr>
+                    <a:t>rosettes</a:t>
+                  </a:r>
+                  <a:endParaRPr lang="en-US" sz="1600" b="1" dirty="0">
+                    <a:latin typeface="Arial" panose="020B0604020202020204" pitchFamily="34" charset="0"/>
+                    <a:cs typeface="Arial" panose="020B0604020202020204" pitchFamily="34" charset="0"/>
+                  </a:endParaRPr>
+                </a:p>
+              </p:txBody>
+            </p:sp>
           </p:grpSp>
+          <p:grpSp>
+            <p:nvGrpSpPr>
+              <p:cNvPr id="28" name="群組 27"/>
+              <p:cNvGrpSpPr/>
+              <p:nvPr/>
+            </p:nvGrpSpPr>
+            <p:grpSpPr>
+              <a:xfrm>
+                <a:off x="8183880" y="2971800"/>
+                <a:ext cx="914400" cy="914400"/>
+                <a:chOff x="8183880" y="2971800"/>
+                <a:chExt cx="914400" cy="914400"/>
+              </a:xfrm>
+            </p:grpSpPr>
+            <p:sp>
+              <p:nvSpPr>
+                <p:cNvPr id="15" name="橢圓 14"/>
+                <p:cNvSpPr/>
+                <p:nvPr/>
+              </p:nvSpPr>
+              <p:spPr>
+                <a:xfrm>
+                  <a:off x="8183880" y="2971800"/>
+                  <a:ext cx="914400" cy="914400"/>
+                </a:xfrm>
+                <a:prstGeom prst="ellipse">
+                  <a:avLst/>
+                </a:prstGeom>
+                <a:solidFill>
+                  <a:schemeClr val="bg1"/>
+                </a:solidFill>
+                <a:ln>
+                  <a:solidFill>
+                    <a:schemeClr val="tx1"/>
+                  </a:solidFill>
+                </a:ln>
+              </p:spPr>
+              <p:style>
+                <a:lnRef idx="2">
+                  <a:schemeClr val="accent1">
+                    <a:shade val="50000"/>
+                  </a:schemeClr>
+                </a:lnRef>
+                <a:fillRef idx="1">
+                  <a:schemeClr val="accent1"/>
+                </a:fillRef>
+                <a:effectRef idx="0">
+                  <a:schemeClr val="accent1"/>
+                </a:effectRef>
+                <a:fontRef idx="minor">
+                  <a:schemeClr val="lt1"/>
+                </a:fontRef>
+              </p:style>
+              <p:txBody>
+                <a:bodyPr rtlCol="0" anchor="ctr"/>
+                <a:lstStyle/>
+                <a:p>
+                  <a:pPr algn="ctr"/>
+                  <a:endParaRPr lang="en-US"/>
+                </a:p>
+              </p:txBody>
+            </p:sp>
+            <p:sp>
+              <p:nvSpPr>
+                <p:cNvPr id="22" name="文字方塊 21"/>
+                <p:cNvSpPr txBox="1"/>
+                <p:nvPr/>
+              </p:nvSpPr>
+              <p:spPr>
+                <a:xfrm>
+                  <a:off x="8222288" y="3213556"/>
+                  <a:ext cx="843058" cy="430887"/>
+                </a:xfrm>
+                <a:prstGeom prst="rect">
+                  <a:avLst/>
+                </a:prstGeom>
+                <a:noFill/>
+              </p:spPr>
+              <p:txBody>
+                <a:bodyPr wrap="square" rtlCol="0">
+                  <a:spAutoFit/>
+                </a:bodyPr>
+                <a:lstStyle/>
+                <a:p>
+                  <a:pPr algn="ctr"/>
+                  <a:r>
+                    <a:rPr lang="en-US" sz="1100" b="1" dirty="0" smtClean="0">
+                      <a:latin typeface="Arial" panose="020B0604020202020204" pitchFamily="34" charset="0"/>
+                      <a:cs typeface="Arial" panose="020B0604020202020204" pitchFamily="34" charset="0"/>
+                    </a:rPr>
+                    <a:t>Flowering plants</a:t>
+                  </a:r>
+                  <a:endParaRPr lang="en-US" sz="1600" b="1" dirty="0">
+                    <a:latin typeface="Arial" panose="020B0604020202020204" pitchFamily="34" charset="0"/>
+                    <a:cs typeface="Arial" panose="020B0604020202020204" pitchFamily="34" charset="0"/>
+                  </a:endParaRPr>
+                </a:p>
+              </p:txBody>
+            </p:sp>
+          </p:grpSp>
+          <p:cxnSp>
+            <p:nvCxnSpPr>
+              <p:cNvPr id="32" name="直線單箭頭接點 31"/>
+              <p:cNvCxnSpPr/>
+              <p:nvPr/>
+            </p:nvCxnSpPr>
+            <p:spPr>
+              <a:xfrm>
+                <a:off x="2613362" y="3429000"/>
+                <a:ext cx="748891" cy="0"/>
+              </a:xfrm>
+              <a:prstGeom prst="straightConnector1">
+                <a:avLst/>
+              </a:prstGeom>
+              <a:ln w="57150">
+                <a:solidFill>
+                  <a:schemeClr val="tx1"/>
+                </a:solidFill>
+                <a:headEnd type="none" w="med" len="med"/>
+                <a:tailEnd type="triangle" w="med" len="med"/>
+              </a:ln>
+            </p:spPr>
+            <p:style>
+              <a:lnRef idx="1">
+                <a:schemeClr val="accent1"/>
+              </a:lnRef>
+              <a:fillRef idx="0">
+                <a:schemeClr val="accent1"/>
+              </a:fillRef>
+              <a:effectRef idx="0">
+                <a:schemeClr val="accent1"/>
+              </a:effectRef>
+              <a:fontRef idx="minor">
+                <a:schemeClr val="tx1"/>
+              </a:fontRef>
+            </p:style>
+          </p:cxnSp>
+          <p:cxnSp>
+            <p:nvCxnSpPr>
+              <p:cNvPr id="33" name="直線單箭頭接點 32"/>
+              <p:cNvCxnSpPr>
+                <a:stCxn id="18" idx="3"/>
+                <a:endCxn id="19" idx="1"/>
+              </p:cNvCxnSpPr>
+              <p:nvPr/>
+            </p:nvCxnSpPr>
+            <p:spPr>
+              <a:xfrm>
+                <a:off x="4283965" y="3429000"/>
+                <a:ext cx="748891" cy="0"/>
+              </a:xfrm>
+              <a:prstGeom prst="straightConnector1">
+                <a:avLst/>
+              </a:prstGeom>
+              <a:ln w="57150">
+                <a:solidFill>
+                  <a:schemeClr val="tx1"/>
+                </a:solidFill>
+                <a:headEnd type="none" w="med" len="med"/>
+                <a:tailEnd type="triangle" w="med" len="med"/>
+              </a:ln>
+            </p:spPr>
+            <p:style>
+              <a:lnRef idx="1">
+                <a:schemeClr val="accent1"/>
+              </a:lnRef>
+              <a:fillRef idx="0">
+                <a:schemeClr val="accent1"/>
+              </a:fillRef>
+              <a:effectRef idx="0">
+                <a:schemeClr val="accent1"/>
+              </a:effectRef>
+              <a:fontRef idx="minor">
+                <a:schemeClr val="tx1"/>
+              </a:fontRef>
+            </p:style>
+          </p:cxnSp>
+          <p:cxnSp>
+            <p:nvCxnSpPr>
+              <p:cNvPr id="36" name="直線單箭頭接點 35"/>
+              <p:cNvCxnSpPr/>
+              <p:nvPr/>
+            </p:nvCxnSpPr>
+            <p:spPr>
+              <a:xfrm>
+                <a:off x="5954568" y="3408579"/>
+                <a:ext cx="713232" cy="0"/>
+              </a:xfrm>
+              <a:prstGeom prst="straightConnector1">
+                <a:avLst/>
+              </a:prstGeom>
+              <a:ln w="57150">
+                <a:solidFill>
+                  <a:schemeClr val="tx1"/>
+                </a:solidFill>
+                <a:headEnd type="none" w="med" len="med"/>
+                <a:tailEnd type="triangle" w="med" len="med"/>
+              </a:ln>
+            </p:spPr>
+            <p:style>
+              <a:lnRef idx="1">
+                <a:schemeClr val="accent1"/>
+              </a:lnRef>
+              <a:fillRef idx="0">
+                <a:schemeClr val="accent1"/>
+              </a:fillRef>
+              <a:effectRef idx="0">
+                <a:schemeClr val="accent1"/>
+              </a:effectRef>
+              <a:fontRef idx="minor">
+                <a:schemeClr val="tx1"/>
+              </a:fontRef>
+            </p:style>
+          </p:cxnSp>
+        </p:grpSp>
+        <p:sp>
+          <p:nvSpPr>
+            <p:cNvPr id="40" name="文字方塊 39"/>
+            <p:cNvSpPr txBox="1"/>
+            <p:nvPr/>
+          </p:nvSpPr>
+          <p:spPr>
+            <a:xfrm>
+              <a:off x="942759" y="3429000"/>
+              <a:ext cx="576070" cy="261610"/>
+            </a:xfrm>
+            <a:prstGeom prst="rect">
+              <a:avLst/>
+            </a:prstGeom>
+            <a:noFill/>
+          </p:spPr>
+          <p:txBody>
+            <a:bodyPr wrap="square" rtlCol="0">
+              <a:spAutoFit/>
+            </a:bodyPr>
+            <a:lstStyle/>
+            <a:p>
+              <a:r>
+                <a:rPr lang="en-US" sz="1100" b="1" i="1" dirty="0" smtClean="0">
+                  <a:latin typeface="Arial" panose="020B0604020202020204" pitchFamily="34" charset="0"/>
+                  <a:cs typeface="Arial" panose="020B0604020202020204" pitchFamily="34" charset="0"/>
+                </a:rPr>
+                <a:t>0.966</a:t>
+              </a:r>
+              <a:endParaRPr lang="en-US" sz="1100" b="1" i="1" dirty="0">
+                <a:latin typeface="Arial" panose="020B0604020202020204" pitchFamily="34" charset="0"/>
+                <a:cs typeface="Arial" panose="020B0604020202020204" pitchFamily="34" charset="0"/>
+              </a:endParaRPr>
+            </a:p>
+          </p:txBody>
+        </p:sp>
+        <p:sp>
+          <p:nvSpPr>
+            <p:cNvPr id="46" name="文字方塊 45"/>
+            <p:cNvSpPr txBox="1"/>
+            <p:nvPr/>
+          </p:nvSpPr>
+          <p:spPr>
+            <a:xfrm>
+              <a:off x="7625171" y="3429000"/>
+              <a:ext cx="518463" cy="261610"/>
+            </a:xfrm>
+            <a:prstGeom prst="rect">
+              <a:avLst/>
+            </a:prstGeom>
+            <a:noFill/>
+          </p:spPr>
+          <p:txBody>
+            <a:bodyPr wrap="square" rtlCol="0">
+              <a:spAutoFit/>
+            </a:bodyPr>
+            <a:lstStyle/>
+            <a:p>
+              <a:r>
+                <a:rPr lang="en-US" sz="1100" b="1" i="1" dirty="0" smtClean="0">
+                  <a:latin typeface="Arial" panose="020B0604020202020204" pitchFamily="34" charset="0"/>
+                  <a:cs typeface="Arial" panose="020B0604020202020204" pitchFamily="34" charset="0"/>
+                </a:rPr>
+                <a:t>0.75</a:t>
+              </a:r>
+              <a:endParaRPr lang="en-US" sz="1100" b="1" i="1" dirty="0">
+                <a:latin typeface="Arial" panose="020B0604020202020204" pitchFamily="34" charset="0"/>
+                <a:cs typeface="Arial" panose="020B0604020202020204" pitchFamily="34" charset="0"/>
+              </a:endParaRPr>
+            </a:p>
+          </p:txBody>
+        </p:sp>
+        <p:sp>
+          <p:nvSpPr>
+            <p:cNvPr id="47" name="文字方塊 46"/>
+            <p:cNvSpPr txBox="1"/>
+            <p:nvPr/>
+          </p:nvSpPr>
+          <p:spPr>
+            <a:xfrm>
+              <a:off x="5954568" y="3429000"/>
+              <a:ext cx="576070" cy="261610"/>
+            </a:xfrm>
+            <a:prstGeom prst="rect">
+              <a:avLst/>
+            </a:prstGeom>
+            <a:noFill/>
+          </p:spPr>
+          <p:txBody>
+            <a:bodyPr wrap="square" rtlCol="0">
+              <a:spAutoFit/>
+            </a:bodyPr>
+            <a:lstStyle/>
+            <a:p>
+              <a:r>
+                <a:rPr lang="en-US" sz="1100" b="1" i="1" dirty="0" smtClean="0">
+                  <a:latin typeface="Arial" panose="020B0604020202020204" pitchFamily="34" charset="0"/>
+                  <a:cs typeface="Arial" panose="020B0604020202020204" pitchFamily="34" charset="0"/>
+                </a:rPr>
+                <a:t>0.245</a:t>
+              </a:r>
+              <a:endParaRPr lang="en-US" sz="1100" b="1" i="1" dirty="0">
+                <a:latin typeface="Arial" panose="020B0604020202020204" pitchFamily="34" charset="0"/>
+                <a:cs typeface="Arial" panose="020B0604020202020204" pitchFamily="34" charset="0"/>
+              </a:endParaRPr>
+            </a:p>
+          </p:txBody>
+        </p:sp>
+        <p:sp>
+          <p:nvSpPr>
+            <p:cNvPr id="48" name="文字方塊 47"/>
+            <p:cNvSpPr txBox="1"/>
+            <p:nvPr/>
+          </p:nvSpPr>
+          <p:spPr>
+            <a:xfrm>
+              <a:off x="4283965" y="3429000"/>
+              <a:ext cx="576070" cy="261610"/>
+            </a:xfrm>
+            <a:prstGeom prst="rect">
+              <a:avLst/>
+            </a:prstGeom>
+            <a:noFill/>
+          </p:spPr>
+          <p:txBody>
+            <a:bodyPr wrap="square" rtlCol="0">
+              <a:spAutoFit/>
+            </a:bodyPr>
+            <a:lstStyle/>
+            <a:p>
+              <a:r>
+                <a:rPr lang="en-US" sz="1100" b="1" i="1" dirty="0" smtClean="0">
+                  <a:latin typeface="Arial" panose="020B0604020202020204" pitchFamily="34" charset="0"/>
+                  <a:cs typeface="Arial" panose="020B0604020202020204" pitchFamily="34" charset="0"/>
+                </a:rPr>
+                <a:t>0.125</a:t>
+              </a:r>
+              <a:endParaRPr lang="en-US" sz="1100" b="1" i="1" dirty="0">
+                <a:latin typeface="Arial" panose="020B0604020202020204" pitchFamily="34" charset="0"/>
+                <a:cs typeface="Arial" panose="020B0604020202020204" pitchFamily="34" charset="0"/>
+              </a:endParaRPr>
+            </a:p>
+          </p:txBody>
+        </p:sp>
+        <p:sp>
+          <p:nvSpPr>
+            <p:cNvPr id="49" name="文字方塊 48"/>
+            <p:cNvSpPr txBox="1"/>
+            <p:nvPr/>
+          </p:nvSpPr>
+          <p:spPr>
+            <a:xfrm>
+              <a:off x="2670969" y="3429000"/>
+              <a:ext cx="576070" cy="261610"/>
+            </a:xfrm>
+            <a:prstGeom prst="rect">
+              <a:avLst/>
+            </a:prstGeom>
+            <a:noFill/>
+          </p:spPr>
+          <p:txBody>
+            <a:bodyPr wrap="square" rtlCol="0">
+              <a:spAutoFit/>
+            </a:bodyPr>
+            <a:lstStyle/>
+            <a:p>
+              <a:r>
+                <a:rPr lang="en-US" sz="1100" b="1" i="1" dirty="0" smtClean="0">
+                  <a:latin typeface="Arial" panose="020B0604020202020204" pitchFamily="34" charset="0"/>
+                  <a:cs typeface="Arial" panose="020B0604020202020204" pitchFamily="34" charset="0"/>
+                </a:rPr>
+                <a:t>0.01</a:t>
+              </a:r>
+              <a:endParaRPr lang="en-US" sz="1100" b="1" i="1" dirty="0">
+                <a:latin typeface="Arial" panose="020B0604020202020204" pitchFamily="34" charset="0"/>
+                <a:cs typeface="Arial" panose="020B0604020202020204" pitchFamily="34" charset="0"/>
+              </a:endParaRPr>
+            </a:p>
+          </p:txBody>
+        </p:sp>
+        <p:grpSp>
+          <p:nvGrpSpPr>
+            <p:cNvPr id="97" name="群組 96"/>
+            <p:cNvGrpSpPr/>
+            <p:nvPr/>
+          </p:nvGrpSpPr>
+          <p:grpSpPr>
+            <a:xfrm>
+              <a:off x="481903" y="3889856"/>
+              <a:ext cx="6624805" cy="429768"/>
+              <a:chOff x="481903" y="3889856"/>
+              <a:chExt cx="6624805" cy="429768"/>
+            </a:xfrm>
+          </p:grpSpPr>
+          <p:cxnSp>
+            <p:nvCxnSpPr>
+              <p:cNvPr id="86" name="直線接點 85"/>
+              <p:cNvCxnSpPr/>
+              <p:nvPr/>
+            </p:nvCxnSpPr>
+            <p:spPr>
+              <a:xfrm>
+                <a:off x="481903" y="4293105"/>
+                <a:ext cx="6624805" cy="0"/>
+              </a:xfrm>
+              <a:prstGeom prst="line">
+                <a:avLst/>
+              </a:prstGeom>
+              <a:ln w="57150">
+                <a:solidFill>
+                  <a:schemeClr val="tx1"/>
+                </a:solidFill>
+              </a:ln>
+            </p:spPr>
+            <p:style>
+              <a:lnRef idx="1">
+                <a:schemeClr val="accent1"/>
+              </a:lnRef>
+              <a:fillRef idx="0">
+                <a:schemeClr val="accent1"/>
+              </a:fillRef>
+              <a:effectRef idx="0">
+                <a:schemeClr val="accent1"/>
+              </a:effectRef>
+              <a:fontRef idx="minor">
+                <a:schemeClr val="tx1"/>
+              </a:fontRef>
+            </p:style>
+          </p:cxnSp>
+          <p:cxnSp>
+            <p:nvCxnSpPr>
+              <p:cNvPr id="91" name="直線接點 90"/>
+              <p:cNvCxnSpPr/>
+              <p:nvPr/>
+            </p:nvCxnSpPr>
+            <p:spPr>
+              <a:xfrm flipV="1">
+                <a:off x="481903" y="3889856"/>
+                <a:ext cx="0" cy="429768"/>
+              </a:xfrm>
+              <a:prstGeom prst="line">
+                <a:avLst/>
+              </a:prstGeom>
+              <a:ln w="57150">
+                <a:solidFill>
+                  <a:schemeClr val="tx1"/>
+                </a:solidFill>
+              </a:ln>
+            </p:spPr>
+            <p:style>
+              <a:lnRef idx="1">
+                <a:schemeClr val="accent1"/>
+              </a:lnRef>
+              <a:fillRef idx="0">
+                <a:schemeClr val="accent1"/>
+              </a:fillRef>
+              <a:effectRef idx="0">
+                <a:schemeClr val="accent1"/>
+              </a:effectRef>
+              <a:fontRef idx="minor">
+                <a:schemeClr val="tx1"/>
+              </a:fontRef>
+            </p:style>
+          </p:cxnSp>
+          <p:cxnSp>
+            <p:nvCxnSpPr>
+              <p:cNvPr id="93" name="直線接點 92"/>
+              <p:cNvCxnSpPr/>
+              <p:nvPr/>
+            </p:nvCxnSpPr>
+            <p:spPr>
+              <a:xfrm flipV="1">
+                <a:off x="3823109" y="3889856"/>
+                <a:ext cx="0" cy="429768"/>
+              </a:xfrm>
+              <a:prstGeom prst="line">
+                <a:avLst/>
+              </a:prstGeom>
+              <a:ln w="57150">
+                <a:solidFill>
+                  <a:schemeClr val="tx1"/>
+                </a:solidFill>
+                <a:headEnd type="none" w="med" len="med"/>
+                <a:tailEnd type="triangle" w="med" len="med"/>
+              </a:ln>
+            </p:spPr>
+            <p:style>
+              <a:lnRef idx="1">
+                <a:schemeClr val="accent1"/>
+              </a:lnRef>
+              <a:fillRef idx="0">
+                <a:schemeClr val="accent1"/>
+              </a:fillRef>
+              <a:effectRef idx="0">
+                <a:schemeClr val="accent1"/>
+              </a:effectRef>
+              <a:fontRef idx="minor">
+                <a:schemeClr val="tx1"/>
+              </a:fontRef>
+            </p:style>
+          </p:cxnSp>
+          <p:cxnSp>
+            <p:nvCxnSpPr>
+              <p:cNvPr id="94" name="直線接點 93"/>
+              <p:cNvCxnSpPr/>
+              <p:nvPr/>
+            </p:nvCxnSpPr>
+            <p:spPr>
+              <a:xfrm flipV="1">
+                <a:off x="5493712" y="3889856"/>
+                <a:ext cx="0" cy="429768"/>
+              </a:xfrm>
+              <a:prstGeom prst="line">
+                <a:avLst/>
+              </a:prstGeom>
+              <a:ln w="57150">
+                <a:solidFill>
+                  <a:schemeClr val="tx1"/>
+                </a:solidFill>
+                <a:headEnd type="none" w="med" len="med"/>
+                <a:tailEnd type="triangle" w="med" len="med"/>
+              </a:ln>
+            </p:spPr>
+            <p:style>
+              <a:lnRef idx="1">
+                <a:schemeClr val="accent1"/>
+              </a:lnRef>
+              <a:fillRef idx="0">
+                <a:schemeClr val="accent1"/>
+              </a:fillRef>
+              <a:effectRef idx="0">
+                <a:schemeClr val="accent1"/>
+              </a:effectRef>
+              <a:fontRef idx="minor">
+                <a:schemeClr val="tx1"/>
+              </a:fontRef>
+            </p:style>
+          </p:cxnSp>
+          <p:cxnSp>
+            <p:nvCxnSpPr>
+              <p:cNvPr id="95" name="直線接點 94"/>
+              <p:cNvCxnSpPr/>
+              <p:nvPr/>
+            </p:nvCxnSpPr>
+            <p:spPr>
+              <a:xfrm flipV="1">
+                <a:off x="7106708" y="3889856"/>
+                <a:ext cx="0" cy="429768"/>
+              </a:xfrm>
+              <a:prstGeom prst="line">
+                <a:avLst/>
+              </a:prstGeom>
+              <a:ln w="57150">
+                <a:solidFill>
+                  <a:schemeClr val="tx1"/>
+                </a:solidFill>
+                <a:headEnd type="none" w="med" len="med"/>
+                <a:tailEnd type="triangle" w="med" len="med"/>
+              </a:ln>
+            </p:spPr>
+            <p:style>
+              <a:lnRef idx="1">
+                <a:schemeClr val="accent1"/>
+              </a:lnRef>
+              <a:fillRef idx="0">
+                <a:schemeClr val="accent1"/>
+              </a:fillRef>
+              <a:effectRef idx="0">
+                <a:schemeClr val="accent1"/>
+              </a:effectRef>
+              <a:fontRef idx="minor">
+                <a:schemeClr val="tx1"/>
+              </a:fontRef>
+            </p:style>
+          </p:cxnSp>
+        </p:grpSp>
+        <p:grpSp>
+          <p:nvGrpSpPr>
+            <p:cNvPr id="99" name="群組 98"/>
+            <p:cNvGrpSpPr/>
+            <p:nvPr/>
+          </p:nvGrpSpPr>
+          <p:grpSpPr>
+            <a:xfrm>
+              <a:off x="3823110" y="4005070"/>
+              <a:ext cx="3859668" cy="261610"/>
+              <a:chOff x="3823110" y="4005070"/>
+              <a:chExt cx="3859668" cy="261610"/>
+            </a:xfrm>
+          </p:grpSpPr>
           <p:sp>
             <p:nvSpPr>
-              <p:cNvPr id="40" name="文字方塊 39"/>
+              <p:cNvPr id="44" name="文字方塊 43"/>
               <p:cNvSpPr txBox="1"/>
               <p:nvPr/>
             </p:nvSpPr>
             <p:spPr>
               <a:xfrm>
-                <a:off x="942759" y="3429000"/>
+                <a:off x="5493713" y="4005070"/>
                 <a:ext cx="576070" cy="261610"/>
               </a:xfrm>
               <a:prstGeom prst="rect">
@@ -4070,63 +4449,27 @@
               <a:p>
                 <a:r>
                   <a:rPr lang="en-US" sz="1100" b="1" i="1" dirty="0" smtClean="0">
-                    <a:latin typeface="Arial" pitchFamily="34" charset="0"/>
-                    <a:cs typeface="Arial" pitchFamily="34" charset="0"/>
+                    <a:latin typeface="Arial" panose="020B0604020202020204" pitchFamily="34" charset="0"/>
+                    <a:cs typeface="Arial" panose="020B0604020202020204" pitchFamily="34" charset="0"/>
                   </a:rPr>
-                  <a:t>0.966</a:t>
+                  <a:t>0.007</a:t>
                 </a:r>
                 <a:endParaRPr lang="en-US" sz="1100" b="1" i="1" dirty="0">
-                  <a:latin typeface="Arial" pitchFamily="34" charset="0"/>
-                  <a:cs typeface="Arial" pitchFamily="34" charset="0"/>
+                  <a:latin typeface="Arial" panose="020B0604020202020204" pitchFamily="34" charset="0"/>
+                  <a:cs typeface="Arial" panose="020B0604020202020204" pitchFamily="34" charset="0"/>
                 </a:endParaRPr>
               </a:p>
             </p:txBody>
           </p:sp>
           <p:sp>
             <p:nvSpPr>
-              <p:cNvPr id="46" name="文字方塊 45"/>
+              <p:cNvPr id="45" name="文字方塊 44"/>
               <p:cNvSpPr txBox="1"/>
               <p:nvPr/>
             </p:nvSpPr>
             <p:spPr>
               <a:xfrm>
-                <a:off x="7625171" y="3429000"/>
-                <a:ext cx="518463" cy="261610"/>
-              </a:xfrm>
-              <a:prstGeom prst="rect">
-                <a:avLst/>
-              </a:prstGeom>
-              <a:noFill/>
-            </p:spPr>
-            <p:txBody>
-              <a:bodyPr wrap="square" rtlCol="0">
-                <a:spAutoFit/>
-              </a:bodyPr>
-              <a:lstStyle/>
-              <a:p>
-                <a:r>
-                  <a:rPr lang="en-US" sz="1100" b="1" i="1" dirty="0" smtClean="0">
-                    <a:latin typeface="Arial" pitchFamily="34" charset="0"/>
-                    <a:cs typeface="Arial" pitchFamily="34" charset="0"/>
-                  </a:rPr>
-                  <a:t>0.75</a:t>
-                </a:r>
-                <a:endParaRPr lang="en-US" sz="1100" b="1" i="1" dirty="0">
-                  <a:latin typeface="Arial" pitchFamily="34" charset="0"/>
-                  <a:cs typeface="Arial" pitchFamily="34" charset="0"/>
-                </a:endParaRPr>
-              </a:p>
-            </p:txBody>
-          </p:sp>
-          <p:sp>
-            <p:nvSpPr>
-              <p:cNvPr id="47" name="文字方塊 46"/>
-              <p:cNvSpPr txBox="1"/>
-              <p:nvPr/>
-            </p:nvSpPr>
-            <p:spPr>
-              <a:xfrm>
-                <a:off x="5954568" y="3429000"/>
+                <a:off x="3823110" y="4005070"/>
                 <a:ext cx="576070" cy="261610"/>
               </a:xfrm>
               <a:prstGeom prst="rect">
@@ -4142,27 +4485,27 @@
               <a:p>
                 <a:r>
                   <a:rPr lang="en-US" sz="1100" b="1" i="1" dirty="0" smtClean="0">
-                    <a:latin typeface="Arial" pitchFamily="34" charset="0"/>
-                    <a:cs typeface="Arial" pitchFamily="34" charset="0"/>
+                    <a:latin typeface="Arial" panose="020B0604020202020204" pitchFamily="34" charset="0"/>
+                    <a:cs typeface="Arial" panose="020B0604020202020204" pitchFamily="34" charset="0"/>
                   </a:rPr>
-                  <a:t>0.245</a:t>
+                  <a:t>0.013</a:t>
                 </a:r>
                 <a:endParaRPr lang="en-US" sz="1100" b="1" i="1" dirty="0">
-                  <a:latin typeface="Arial" pitchFamily="34" charset="0"/>
-                  <a:cs typeface="Arial" pitchFamily="34" charset="0"/>
+                  <a:latin typeface="Arial" panose="020B0604020202020204" pitchFamily="34" charset="0"/>
+                  <a:cs typeface="Arial" panose="020B0604020202020204" pitchFamily="34" charset="0"/>
                 </a:endParaRPr>
               </a:p>
             </p:txBody>
           </p:sp>
           <p:sp>
             <p:nvSpPr>
-              <p:cNvPr id="48" name="文字方塊 47"/>
+              <p:cNvPr id="98" name="文字方塊 97"/>
               <p:cNvSpPr txBox="1"/>
               <p:nvPr/>
             </p:nvSpPr>
             <p:spPr>
               <a:xfrm>
-                <a:off x="4283965" y="3429000"/>
+                <a:off x="7106708" y="4005070"/>
                 <a:ext cx="576070" cy="261610"/>
               </a:xfrm>
               <a:prstGeom prst="rect">
@@ -4178,989 +4521,634 @@
               <a:p>
                 <a:r>
                   <a:rPr lang="en-US" sz="1100" b="1" i="1" dirty="0" smtClean="0">
-                    <a:latin typeface="Arial" pitchFamily="34" charset="0"/>
-                    <a:cs typeface="Arial" pitchFamily="34" charset="0"/>
+                    <a:latin typeface="Arial" panose="020B0604020202020204" pitchFamily="34" charset="0"/>
+                    <a:cs typeface="Arial" panose="020B0604020202020204" pitchFamily="34" charset="0"/>
                   </a:rPr>
-                  <a:t>0.125</a:t>
+                  <a:t>0.008</a:t>
                 </a:r>
                 <a:endParaRPr lang="en-US" sz="1100" b="1" i="1" dirty="0">
-                  <a:latin typeface="Arial" pitchFamily="34" charset="0"/>
-                  <a:cs typeface="Arial" pitchFamily="34" charset="0"/>
+                  <a:latin typeface="Arial" panose="020B0604020202020204" pitchFamily="34" charset="0"/>
+                  <a:cs typeface="Arial" panose="020B0604020202020204" pitchFamily="34" charset="0"/>
                 </a:endParaRPr>
               </a:p>
             </p:txBody>
           </p:sp>
-          <p:sp>
-            <p:nvSpPr>
-              <p:cNvPr id="49" name="文字方塊 48"/>
-              <p:cNvSpPr txBox="1"/>
-              <p:nvPr/>
-            </p:nvSpPr>
-            <p:spPr>
-              <a:xfrm>
-                <a:off x="2670969" y="3429000"/>
-                <a:ext cx="576070" cy="261610"/>
-              </a:xfrm>
-              <a:prstGeom prst="rect">
-                <a:avLst/>
-              </a:prstGeom>
-              <a:noFill/>
-            </p:spPr>
-            <p:txBody>
-              <a:bodyPr wrap="square" rtlCol="0">
-                <a:spAutoFit/>
-              </a:bodyPr>
-              <a:lstStyle/>
-              <a:p>
-                <a:r>
-                  <a:rPr lang="en-US" sz="1100" b="1" i="1" dirty="0" smtClean="0">
-                    <a:latin typeface="Arial" pitchFamily="34" charset="0"/>
-                    <a:cs typeface="Arial" pitchFamily="34" charset="0"/>
-                  </a:rPr>
-                  <a:t>0.01</a:t>
-                </a:r>
-                <a:endParaRPr lang="en-US" sz="1100" b="1" i="1" dirty="0">
-                  <a:latin typeface="Arial" pitchFamily="34" charset="0"/>
-                  <a:cs typeface="Arial" pitchFamily="34" charset="0"/>
-                </a:endParaRPr>
-              </a:p>
-            </p:txBody>
-          </p:sp>
-          <p:grpSp>
-            <p:nvGrpSpPr>
-              <p:cNvPr id="97" name="群組 96"/>
-              <p:cNvGrpSpPr/>
-              <p:nvPr/>
-            </p:nvGrpSpPr>
-            <p:grpSpPr>
-              <a:xfrm>
-                <a:off x="481903" y="3889856"/>
-                <a:ext cx="6624805" cy="429768"/>
-                <a:chOff x="481903" y="3889856"/>
-                <a:chExt cx="6624805" cy="429768"/>
-              </a:xfrm>
-            </p:grpSpPr>
-            <p:cxnSp>
-              <p:nvCxnSpPr>
-                <p:cNvPr id="86" name="直線接點 85"/>
-                <p:cNvCxnSpPr/>
-                <p:nvPr/>
-              </p:nvCxnSpPr>
-              <p:spPr>
-                <a:xfrm>
-                  <a:off x="481903" y="4293105"/>
-                  <a:ext cx="6624805" cy="0"/>
-                </a:xfrm>
-                <a:prstGeom prst="line">
-                  <a:avLst/>
-                </a:prstGeom>
-                <a:ln w="57150">
-                  <a:solidFill>
-                    <a:schemeClr val="tx1"/>
-                  </a:solidFill>
-                </a:ln>
-              </p:spPr>
-              <p:style>
-                <a:lnRef idx="1">
-                  <a:schemeClr val="accent1"/>
-                </a:lnRef>
-                <a:fillRef idx="0">
-                  <a:schemeClr val="accent1"/>
-                </a:fillRef>
-                <a:effectRef idx="0">
-                  <a:schemeClr val="accent1"/>
-                </a:effectRef>
-                <a:fontRef idx="minor">
-                  <a:schemeClr val="tx1"/>
-                </a:fontRef>
-              </p:style>
-            </p:cxnSp>
-            <p:cxnSp>
-              <p:nvCxnSpPr>
-                <p:cNvPr id="91" name="直線接點 90"/>
-                <p:cNvCxnSpPr/>
-                <p:nvPr/>
-              </p:nvCxnSpPr>
-              <p:spPr>
-                <a:xfrm flipV="1">
-                  <a:off x="481903" y="3889856"/>
-                  <a:ext cx="0" cy="429768"/>
-                </a:xfrm>
-                <a:prstGeom prst="line">
-                  <a:avLst/>
-                </a:prstGeom>
-                <a:ln w="57150">
-                  <a:solidFill>
-                    <a:schemeClr val="tx1"/>
-                  </a:solidFill>
-                </a:ln>
-              </p:spPr>
-              <p:style>
-                <a:lnRef idx="1">
-                  <a:schemeClr val="accent1"/>
-                </a:lnRef>
-                <a:fillRef idx="0">
-                  <a:schemeClr val="accent1"/>
-                </a:fillRef>
-                <a:effectRef idx="0">
-                  <a:schemeClr val="accent1"/>
-                </a:effectRef>
-                <a:fontRef idx="minor">
-                  <a:schemeClr val="tx1"/>
-                </a:fontRef>
-              </p:style>
-            </p:cxnSp>
-            <p:cxnSp>
-              <p:nvCxnSpPr>
-                <p:cNvPr id="93" name="直線接點 92"/>
-                <p:cNvCxnSpPr/>
-                <p:nvPr/>
-              </p:nvCxnSpPr>
-              <p:spPr>
-                <a:xfrm flipV="1">
-                  <a:off x="3823109" y="3889856"/>
-                  <a:ext cx="0" cy="429768"/>
-                </a:xfrm>
-                <a:prstGeom prst="line">
-                  <a:avLst/>
-                </a:prstGeom>
-                <a:ln w="57150">
-                  <a:solidFill>
-                    <a:schemeClr val="tx1"/>
-                  </a:solidFill>
-                  <a:headEnd type="none" w="med" len="med"/>
-                  <a:tailEnd type="triangle" w="med" len="med"/>
-                </a:ln>
-              </p:spPr>
-              <p:style>
-                <a:lnRef idx="1">
-                  <a:schemeClr val="accent1"/>
-                </a:lnRef>
-                <a:fillRef idx="0">
-                  <a:schemeClr val="accent1"/>
-                </a:fillRef>
-                <a:effectRef idx="0">
-                  <a:schemeClr val="accent1"/>
-                </a:effectRef>
-                <a:fontRef idx="minor">
-                  <a:schemeClr val="tx1"/>
-                </a:fontRef>
-              </p:style>
-            </p:cxnSp>
-            <p:cxnSp>
-              <p:nvCxnSpPr>
-                <p:cNvPr id="94" name="直線接點 93"/>
-                <p:cNvCxnSpPr/>
-                <p:nvPr/>
-              </p:nvCxnSpPr>
-              <p:spPr>
-                <a:xfrm flipV="1">
-                  <a:off x="5493712" y="3889856"/>
-                  <a:ext cx="0" cy="429768"/>
-                </a:xfrm>
-                <a:prstGeom prst="line">
-                  <a:avLst/>
-                </a:prstGeom>
-                <a:ln w="57150">
-                  <a:solidFill>
-                    <a:schemeClr val="tx1"/>
-                  </a:solidFill>
-                  <a:headEnd type="none" w="med" len="med"/>
-                  <a:tailEnd type="triangle" w="med" len="med"/>
-                </a:ln>
-              </p:spPr>
-              <p:style>
-                <a:lnRef idx="1">
-                  <a:schemeClr val="accent1"/>
-                </a:lnRef>
-                <a:fillRef idx="0">
-                  <a:schemeClr val="accent1"/>
-                </a:fillRef>
-                <a:effectRef idx="0">
-                  <a:schemeClr val="accent1"/>
-                </a:effectRef>
-                <a:fontRef idx="minor">
-                  <a:schemeClr val="tx1"/>
-                </a:fontRef>
-              </p:style>
-            </p:cxnSp>
-            <p:cxnSp>
-              <p:nvCxnSpPr>
-                <p:cNvPr id="95" name="直線接點 94"/>
-                <p:cNvCxnSpPr/>
-                <p:nvPr/>
-              </p:nvCxnSpPr>
-              <p:spPr>
-                <a:xfrm flipV="1">
-                  <a:off x="7106708" y="3889856"/>
-                  <a:ext cx="0" cy="429768"/>
-                </a:xfrm>
-                <a:prstGeom prst="line">
-                  <a:avLst/>
-                </a:prstGeom>
-                <a:ln w="57150">
-                  <a:solidFill>
-                    <a:schemeClr val="tx1"/>
-                  </a:solidFill>
-                  <a:headEnd type="none" w="med" len="med"/>
-                  <a:tailEnd type="triangle" w="med" len="med"/>
-                </a:ln>
-              </p:spPr>
-              <p:style>
-                <a:lnRef idx="1">
-                  <a:schemeClr val="accent1"/>
-                </a:lnRef>
-                <a:fillRef idx="0">
-                  <a:schemeClr val="accent1"/>
-                </a:fillRef>
-                <a:effectRef idx="0">
-                  <a:schemeClr val="accent1"/>
-                </a:effectRef>
-                <a:fontRef idx="minor">
-                  <a:schemeClr val="tx1"/>
-                </a:fontRef>
-              </p:style>
-            </p:cxnSp>
-          </p:grpSp>
-          <p:grpSp>
-            <p:nvGrpSpPr>
-              <p:cNvPr id="99" name="群組 98"/>
-              <p:cNvGrpSpPr/>
-              <p:nvPr/>
-            </p:nvGrpSpPr>
-            <p:grpSpPr>
-              <a:xfrm>
-                <a:off x="3823110" y="4005070"/>
-                <a:ext cx="3859668" cy="261610"/>
-                <a:chOff x="3823110" y="4005070"/>
-                <a:chExt cx="3859668" cy="261610"/>
-              </a:xfrm>
-            </p:grpSpPr>
-            <p:sp>
-              <p:nvSpPr>
-                <p:cNvPr id="44" name="文字方塊 43"/>
-                <p:cNvSpPr txBox="1"/>
-                <p:nvPr/>
-              </p:nvSpPr>
-              <p:spPr>
-                <a:xfrm>
-                  <a:off x="5493713" y="4005070"/>
-                  <a:ext cx="576070" cy="261610"/>
-                </a:xfrm>
-                <a:prstGeom prst="rect">
-                  <a:avLst/>
-                </a:prstGeom>
-                <a:noFill/>
-              </p:spPr>
-              <p:txBody>
-                <a:bodyPr wrap="square" rtlCol="0">
-                  <a:spAutoFit/>
-                </a:bodyPr>
-                <a:lstStyle/>
-                <a:p>
-                  <a:r>
-                    <a:rPr lang="en-US" sz="1100" b="1" i="1" dirty="0" smtClean="0">
-                      <a:latin typeface="Arial" pitchFamily="34" charset="0"/>
-                      <a:cs typeface="Arial" pitchFamily="34" charset="0"/>
-                    </a:rPr>
-                    <a:t>0.007</a:t>
-                  </a:r>
-                  <a:endParaRPr lang="en-US" sz="1100" b="1" i="1" dirty="0">
-                    <a:latin typeface="Arial" pitchFamily="34" charset="0"/>
-                    <a:cs typeface="Arial" pitchFamily="34" charset="0"/>
-                  </a:endParaRPr>
-                </a:p>
-              </p:txBody>
-            </p:sp>
-            <p:sp>
-              <p:nvSpPr>
-                <p:cNvPr id="45" name="文字方塊 44"/>
-                <p:cNvSpPr txBox="1"/>
-                <p:nvPr/>
-              </p:nvSpPr>
-              <p:spPr>
-                <a:xfrm>
-                  <a:off x="3823110" y="4005070"/>
-                  <a:ext cx="576070" cy="261610"/>
-                </a:xfrm>
-                <a:prstGeom prst="rect">
-                  <a:avLst/>
-                </a:prstGeom>
-                <a:noFill/>
-              </p:spPr>
-              <p:txBody>
-                <a:bodyPr wrap="square" rtlCol="0">
-                  <a:spAutoFit/>
-                </a:bodyPr>
-                <a:lstStyle/>
-                <a:p>
-                  <a:r>
-                    <a:rPr lang="en-US" sz="1100" b="1" i="1" dirty="0" smtClean="0">
-                      <a:latin typeface="Arial" pitchFamily="34" charset="0"/>
-                      <a:cs typeface="Arial" pitchFamily="34" charset="0"/>
-                    </a:rPr>
-                    <a:t>0.013</a:t>
-                  </a:r>
-                  <a:endParaRPr lang="en-US" sz="1100" b="1" i="1" dirty="0">
-                    <a:latin typeface="Arial" pitchFamily="34" charset="0"/>
-                    <a:cs typeface="Arial" pitchFamily="34" charset="0"/>
-                  </a:endParaRPr>
-                </a:p>
-              </p:txBody>
-            </p:sp>
-            <p:sp>
-              <p:nvSpPr>
-                <p:cNvPr id="98" name="文字方塊 97"/>
-                <p:cNvSpPr txBox="1"/>
-                <p:nvPr/>
-              </p:nvSpPr>
-              <p:spPr>
-                <a:xfrm>
-                  <a:off x="7106708" y="4005070"/>
-                  <a:ext cx="576070" cy="261610"/>
-                </a:xfrm>
-                <a:prstGeom prst="rect">
-                  <a:avLst/>
-                </a:prstGeom>
-                <a:noFill/>
-              </p:spPr>
-              <p:txBody>
-                <a:bodyPr wrap="square" rtlCol="0">
-                  <a:spAutoFit/>
-                </a:bodyPr>
-                <a:lstStyle/>
-                <a:p>
-                  <a:r>
-                    <a:rPr lang="en-US" sz="1100" b="1" i="1" dirty="0" smtClean="0">
-                      <a:latin typeface="Arial" pitchFamily="34" charset="0"/>
-                      <a:cs typeface="Arial" pitchFamily="34" charset="0"/>
-                    </a:rPr>
-                    <a:t>0.008</a:t>
-                  </a:r>
-                  <a:endParaRPr lang="en-US" sz="1100" b="1" i="1" dirty="0">
-                    <a:latin typeface="Arial" pitchFamily="34" charset="0"/>
-                    <a:cs typeface="Arial" pitchFamily="34" charset="0"/>
-                  </a:endParaRPr>
-                </a:p>
-              </p:txBody>
-            </p:sp>
-          </p:grpSp>
         </p:grpSp>
-        <p:cxnSp>
-          <p:nvCxnSpPr>
-            <p:cNvPr id="106" name="直線接點 105"/>
-            <p:cNvCxnSpPr/>
-            <p:nvPr/>
-          </p:nvCxnSpPr>
-          <p:spPr>
-            <a:xfrm>
-              <a:off x="7106708" y="2449681"/>
-              <a:ext cx="0" cy="512064"/>
-            </a:xfrm>
-            <a:prstGeom prst="line">
-              <a:avLst/>
-            </a:prstGeom>
-            <a:ln w="57150">
-              <a:solidFill>
-                <a:schemeClr val="tx1"/>
-              </a:solidFill>
-              <a:headEnd type="none" w="med" len="med"/>
-              <a:tailEnd type="triangle" w="med" len="med"/>
-            </a:ln>
-          </p:spPr>
-          <p:style>
-            <a:lnRef idx="1">
-              <a:schemeClr val="accent1"/>
-            </a:lnRef>
-            <a:fillRef idx="0">
-              <a:schemeClr val="accent1"/>
-            </a:fillRef>
-            <a:effectRef idx="0">
-              <a:schemeClr val="accent1"/>
-            </a:effectRef>
-            <a:fontRef idx="minor">
+      </p:grpSp>
+      <p:cxnSp>
+        <p:nvCxnSpPr>
+          <p:cNvPr id="106" name="直線接點 105"/>
+          <p:cNvCxnSpPr/>
+          <p:nvPr/>
+        </p:nvCxnSpPr>
+        <p:spPr>
+          <a:xfrm>
+            <a:off x="8028940" y="2449830"/>
+            <a:ext cx="288290" cy="633730"/>
+          </a:xfrm>
+          <a:prstGeom prst="line">
+            <a:avLst/>
+          </a:prstGeom>
+          <a:ln w="57150">
+            <a:solidFill>
               <a:schemeClr val="tx1"/>
-            </a:fontRef>
-          </p:style>
-        </p:cxnSp>
-        <p:cxnSp>
-          <p:nvCxnSpPr>
-            <p:cNvPr id="102" name="直線接點 101"/>
-            <p:cNvCxnSpPr/>
-            <p:nvPr/>
-          </p:nvCxnSpPr>
-          <p:spPr>
-            <a:xfrm>
-              <a:off x="3803904" y="2449681"/>
-              <a:ext cx="3328416" cy="0"/>
-            </a:xfrm>
-            <a:prstGeom prst="line">
-              <a:avLst/>
-            </a:prstGeom>
-            <a:ln w="57150">
-              <a:solidFill>
-                <a:schemeClr val="tx1"/>
-              </a:solidFill>
-            </a:ln>
-          </p:spPr>
-          <p:style>
-            <a:lnRef idx="1">
-              <a:schemeClr val="accent1"/>
-            </a:lnRef>
-            <a:fillRef idx="0">
-              <a:schemeClr val="accent1"/>
-            </a:fillRef>
-            <a:effectRef idx="0">
-              <a:schemeClr val="accent1"/>
-            </a:effectRef>
-            <a:fontRef idx="minor">
+            </a:solidFill>
+            <a:headEnd type="none" w="med" len="med"/>
+            <a:tailEnd type="triangle" w="med" len="med"/>
+          </a:ln>
+        </p:spPr>
+        <p:style>
+          <a:lnRef idx="1">
+            <a:schemeClr val="accent1"/>
+          </a:lnRef>
+          <a:fillRef idx="0">
+            <a:schemeClr val="accent1"/>
+          </a:fillRef>
+          <a:effectRef idx="0">
+            <a:schemeClr val="accent1"/>
+          </a:effectRef>
+          <a:fontRef idx="minor">
+            <a:schemeClr val="tx1"/>
+          </a:fontRef>
+        </p:style>
+      </p:cxnSp>
+      <p:cxnSp>
+        <p:nvCxnSpPr>
+          <p:cNvPr id="102" name="直線接點 101"/>
+          <p:cNvCxnSpPr/>
+          <p:nvPr/>
+        </p:nvCxnSpPr>
+        <p:spPr>
+          <a:xfrm>
+            <a:off x="5463540" y="2449830"/>
+            <a:ext cx="2595880" cy="0"/>
+          </a:xfrm>
+          <a:prstGeom prst="line">
+            <a:avLst/>
+          </a:prstGeom>
+          <a:ln w="57150">
+            <a:solidFill>
               <a:schemeClr val="tx1"/>
-            </a:fontRef>
-          </p:style>
-        </p:cxnSp>
-        <p:sp>
-          <p:nvSpPr>
-            <p:cNvPr id="116" name="文字方塊 115"/>
-            <p:cNvSpPr txBox="1"/>
-            <p:nvPr/>
-          </p:nvSpPr>
-          <p:spPr>
-            <a:xfrm>
-              <a:off x="7106708" y="2507288"/>
-              <a:ext cx="576070" cy="261610"/>
-            </a:xfrm>
-            <a:prstGeom prst="rect">
-              <a:avLst/>
-            </a:prstGeom>
-            <a:noFill/>
-          </p:spPr>
-          <p:txBody>
-            <a:bodyPr wrap="square" rtlCol="0">
-              <a:spAutoFit/>
-            </a:bodyPr>
-            <a:lstStyle/>
-            <a:p>
-              <a:r>
-                <a:rPr lang="en-US" sz="1100" b="1" i="1" dirty="0" smtClean="0">
-                  <a:latin typeface="Arial" pitchFamily="34" charset="0"/>
-                  <a:cs typeface="Arial" pitchFamily="34" charset="0"/>
-                </a:rPr>
-                <a:t>0.023</a:t>
-              </a:r>
-              <a:endParaRPr lang="en-US" sz="1100" b="1" i="1" dirty="0">
-                <a:latin typeface="Arial" pitchFamily="34" charset="0"/>
-                <a:cs typeface="Arial" pitchFamily="34" charset="0"/>
-              </a:endParaRPr>
-            </a:p>
-          </p:txBody>
-        </p:sp>
-        <p:sp>
-          <p:nvSpPr>
-            <p:cNvPr id="119" name="弧形 118"/>
-            <p:cNvSpPr/>
-            <p:nvPr/>
-          </p:nvSpPr>
-          <p:spPr>
-            <a:xfrm rot="2673515">
-              <a:off x="3914499" y="2904177"/>
-              <a:ext cx="430086" cy="436712"/>
-            </a:xfrm>
-            <a:prstGeom prst="arc">
-              <a:avLst>
-                <a:gd name="adj1" fmla="val 10780986"/>
-                <a:gd name="adj2" fmla="val 346348"/>
-              </a:avLst>
-            </a:prstGeom>
-            <a:ln w="57150">
-              <a:solidFill>
-                <a:schemeClr val="tx1"/>
-              </a:solidFill>
-              <a:headEnd type="triangle" w="med" len="med"/>
-              <a:tailEnd type="none" w="med" len="med"/>
-            </a:ln>
-          </p:spPr>
-          <p:style>
-            <a:lnRef idx="1">
-              <a:schemeClr val="accent1"/>
-            </a:lnRef>
-            <a:fillRef idx="0">
-              <a:schemeClr val="accent1"/>
-            </a:fillRef>
-            <a:effectRef idx="0">
-              <a:schemeClr val="accent1"/>
-            </a:effectRef>
-            <a:fontRef idx="minor">
+            </a:solidFill>
+          </a:ln>
+        </p:spPr>
+        <p:style>
+          <a:lnRef idx="1">
+            <a:schemeClr val="accent1"/>
+          </a:lnRef>
+          <a:fillRef idx="0">
+            <a:schemeClr val="accent1"/>
+          </a:fillRef>
+          <a:effectRef idx="0">
+            <a:schemeClr val="accent1"/>
+          </a:effectRef>
+          <a:fontRef idx="minor">
+            <a:schemeClr val="tx1"/>
+          </a:fontRef>
+        </p:style>
+      </p:cxnSp>
+      <p:sp>
+        <p:nvSpPr>
+          <p:cNvPr id="116" name="文字方塊 115"/>
+          <p:cNvSpPr txBox="1"/>
+          <p:nvPr/>
+        </p:nvSpPr>
+        <p:spPr>
+          <a:xfrm>
+            <a:off x="7560310" y="2507615"/>
+            <a:ext cx="575945" cy="261620"/>
+          </a:xfrm>
+          <a:prstGeom prst="rect">
+            <a:avLst/>
+          </a:prstGeom>
+          <a:noFill/>
+        </p:spPr>
+        <p:txBody>
+          <a:bodyPr wrap="square" rtlCol="0">
+            <a:spAutoFit/>
+          </a:bodyPr>
+          <a:lstStyle/>
+          <a:p>
+            <a:r>
+              <a:rPr lang="en-US" sz="1100" b="1" i="1" dirty="0" smtClean="0">
+                <a:latin typeface="Arial" panose="020B0604020202020204" pitchFamily="34" charset="0"/>
+                <a:cs typeface="Arial" panose="020B0604020202020204" pitchFamily="34" charset="0"/>
+              </a:rPr>
+              <a:t>0.023</a:t>
+            </a:r>
+            <a:endParaRPr lang="en-US" sz="1100" b="1" i="1" dirty="0">
+              <a:latin typeface="Arial" panose="020B0604020202020204" pitchFamily="34" charset="0"/>
+              <a:cs typeface="Arial" panose="020B0604020202020204" pitchFamily="34" charset="0"/>
+            </a:endParaRPr>
+          </a:p>
+        </p:txBody>
+      </p:sp>
+      <p:sp>
+        <p:nvSpPr>
+          <p:cNvPr id="119" name="弧形 118"/>
+          <p:cNvSpPr/>
+          <p:nvPr/>
+        </p:nvSpPr>
+        <p:spPr>
+          <a:xfrm rot="2673515">
+            <a:off x="3914775" y="2904490"/>
+            <a:ext cx="429895" cy="436880"/>
+          </a:xfrm>
+          <a:prstGeom prst="arc">
+            <a:avLst>
+              <a:gd name="adj1" fmla="val 10780986"/>
+              <a:gd name="adj2" fmla="val 346348"/>
+            </a:avLst>
+          </a:prstGeom>
+          <a:ln w="57150">
+            <a:solidFill>
               <a:schemeClr val="tx1"/>
-            </a:fontRef>
-          </p:style>
-          <p:txBody>
-            <a:bodyPr rtlCol="0" anchor="ctr"/>
-            <a:lstStyle/>
-            <a:p>
-              <a:pPr algn="ctr"/>
-              <a:endParaRPr lang="en-US"/>
-            </a:p>
-          </p:txBody>
-        </p:sp>
-        <p:sp>
-          <p:nvSpPr>
-            <p:cNvPr id="120" name="弧形 119"/>
-            <p:cNvSpPr/>
-            <p:nvPr/>
-          </p:nvSpPr>
-          <p:spPr>
-            <a:xfrm rot="2673515">
-              <a:off x="5585101" y="2904177"/>
-              <a:ext cx="430086" cy="436712"/>
-            </a:xfrm>
-            <a:prstGeom prst="arc">
-              <a:avLst>
-                <a:gd name="adj1" fmla="val 10780986"/>
-                <a:gd name="adj2" fmla="val 346348"/>
-              </a:avLst>
-            </a:prstGeom>
-            <a:ln w="57150">
-              <a:solidFill>
-                <a:schemeClr val="tx1"/>
-              </a:solidFill>
-              <a:headEnd type="triangle" w="med" len="med"/>
-              <a:tailEnd type="none" w="med" len="med"/>
-            </a:ln>
-          </p:spPr>
-          <p:style>
-            <a:lnRef idx="1">
-              <a:schemeClr val="accent1"/>
-            </a:lnRef>
-            <a:fillRef idx="0">
-              <a:schemeClr val="accent1"/>
-            </a:fillRef>
-            <a:effectRef idx="0">
-              <a:schemeClr val="accent1"/>
-            </a:effectRef>
-            <a:fontRef idx="minor">
+            </a:solidFill>
+            <a:headEnd type="triangle" w="med" len="med"/>
+            <a:tailEnd type="none" w="med" len="med"/>
+          </a:ln>
+        </p:spPr>
+        <p:style>
+          <a:lnRef idx="1">
+            <a:schemeClr val="accent1"/>
+          </a:lnRef>
+          <a:fillRef idx="0">
+            <a:schemeClr val="accent1"/>
+          </a:fillRef>
+          <a:effectRef idx="0">
+            <a:schemeClr val="accent1"/>
+          </a:effectRef>
+          <a:fontRef idx="minor">
+            <a:schemeClr val="tx1"/>
+          </a:fontRef>
+        </p:style>
+        <p:txBody>
+          <a:bodyPr rtlCol="0" anchor="ctr"/>
+          <a:lstStyle/>
+          <a:p>
+            <a:pPr algn="ctr"/>
+            <a:endParaRPr lang="en-US"/>
+          </a:p>
+        </p:txBody>
+      </p:sp>
+      <p:sp>
+        <p:nvSpPr>
+          <p:cNvPr id="120" name="弧形 119"/>
+          <p:cNvSpPr/>
+          <p:nvPr/>
+        </p:nvSpPr>
+        <p:spPr>
+          <a:xfrm rot="2673515">
+            <a:off x="5584825" y="2904490"/>
+            <a:ext cx="429895" cy="436880"/>
+          </a:xfrm>
+          <a:prstGeom prst="arc">
+            <a:avLst>
+              <a:gd name="adj1" fmla="val 10780986"/>
+              <a:gd name="adj2" fmla="val 346348"/>
+            </a:avLst>
+          </a:prstGeom>
+          <a:ln w="57150">
+            <a:solidFill>
               <a:schemeClr val="tx1"/>
-            </a:fontRef>
-          </p:style>
-          <p:txBody>
-            <a:bodyPr rtlCol="0" anchor="ctr"/>
-            <a:lstStyle/>
-            <a:p>
-              <a:pPr algn="ctr"/>
-              <a:endParaRPr lang="en-US"/>
-            </a:p>
-          </p:txBody>
-        </p:sp>
-        <p:sp>
-          <p:nvSpPr>
-            <p:cNvPr id="121" name="弧形 120"/>
-            <p:cNvSpPr/>
-            <p:nvPr/>
-          </p:nvSpPr>
-          <p:spPr>
-            <a:xfrm rot="2673515">
-              <a:off x="7198099" y="2904176"/>
-              <a:ext cx="430086" cy="436712"/>
-            </a:xfrm>
-            <a:prstGeom prst="arc">
-              <a:avLst>
-                <a:gd name="adj1" fmla="val 10780986"/>
-                <a:gd name="adj2" fmla="val 346348"/>
-              </a:avLst>
-            </a:prstGeom>
-            <a:ln w="57150">
-              <a:solidFill>
-                <a:schemeClr val="tx1"/>
-              </a:solidFill>
-              <a:headEnd type="triangle" w="med" len="med"/>
-              <a:tailEnd type="none" w="med" len="med"/>
-            </a:ln>
-          </p:spPr>
-          <p:style>
-            <a:lnRef idx="1">
-              <a:schemeClr val="accent1"/>
-            </a:lnRef>
-            <a:fillRef idx="0">
-              <a:schemeClr val="accent1"/>
-            </a:fillRef>
-            <a:effectRef idx="0">
-              <a:schemeClr val="accent1"/>
-            </a:effectRef>
-            <a:fontRef idx="minor">
+            </a:solidFill>
+            <a:headEnd type="triangle" w="med" len="med"/>
+            <a:tailEnd type="none" w="med" len="med"/>
+          </a:ln>
+        </p:spPr>
+        <p:style>
+          <a:lnRef idx="1">
+            <a:schemeClr val="accent1"/>
+          </a:lnRef>
+          <a:fillRef idx="0">
+            <a:schemeClr val="accent1"/>
+          </a:fillRef>
+          <a:effectRef idx="0">
+            <a:schemeClr val="accent1"/>
+          </a:effectRef>
+          <a:fontRef idx="minor">
+            <a:schemeClr val="tx1"/>
+          </a:fontRef>
+        </p:style>
+        <p:txBody>
+          <a:bodyPr rtlCol="0" anchor="ctr"/>
+          <a:lstStyle/>
+          <a:p>
+            <a:pPr algn="ctr"/>
+            <a:endParaRPr lang="en-US"/>
+          </a:p>
+        </p:txBody>
+      </p:sp>
+      <p:sp>
+        <p:nvSpPr>
+          <p:cNvPr id="121" name="弧形 120"/>
+          <p:cNvSpPr/>
+          <p:nvPr/>
+        </p:nvSpPr>
+        <p:spPr>
+          <a:xfrm rot="2673515">
+            <a:off x="7198360" y="2904490"/>
+            <a:ext cx="429895" cy="436880"/>
+          </a:xfrm>
+          <a:prstGeom prst="arc">
+            <a:avLst>
+              <a:gd name="adj1" fmla="val 10780986"/>
+              <a:gd name="adj2" fmla="val 346348"/>
+            </a:avLst>
+          </a:prstGeom>
+          <a:ln w="57150">
+            <a:solidFill>
               <a:schemeClr val="tx1"/>
-            </a:fontRef>
-          </p:style>
-          <p:txBody>
-            <a:bodyPr rtlCol="0" anchor="ctr"/>
-            <a:lstStyle/>
-            <a:p>
-              <a:pPr algn="ctr"/>
-              <a:endParaRPr lang="en-US"/>
-            </a:p>
-          </p:txBody>
-        </p:sp>
-        <p:sp>
-          <p:nvSpPr>
-            <p:cNvPr id="122" name="文字方塊 121"/>
-            <p:cNvSpPr txBox="1"/>
-            <p:nvPr/>
-          </p:nvSpPr>
-          <p:spPr>
-            <a:xfrm>
-              <a:off x="4283965" y="2852930"/>
-              <a:ext cx="576070" cy="261610"/>
-            </a:xfrm>
-            <a:prstGeom prst="rect">
-              <a:avLst/>
-            </a:prstGeom>
-            <a:noFill/>
-          </p:spPr>
-          <p:txBody>
-            <a:bodyPr wrap="square" rtlCol="0">
-              <a:spAutoFit/>
-            </a:bodyPr>
-            <a:lstStyle/>
-            <a:p>
-              <a:r>
-                <a:rPr lang="en-US" sz="1100" b="1" i="1" dirty="0" smtClean="0">
-                  <a:latin typeface="Arial" pitchFamily="34" charset="0"/>
-                  <a:cs typeface="Arial" pitchFamily="34" charset="0"/>
-                </a:rPr>
-                <a:t>0.125</a:t>
-              </a:r>
-              <a:endParaRPr lang="en-US" sz="1100" b="1" i="1" dirty="0">
-                <a:latin typeface="Arial" pitchFamily="34" charset="0"/>
-                <a:cs typeface="Arial" pitchFamily="34" charset="0"/>
-              </a:endParaRPr>
-            </a:p>
-          </p:txBody>
-        </p:sp>
-        <p:sp>
-          <p:nvSpPr>
-            <p:cNvPr id="123" name="文字方塊 122"/>
-            <p:cNvSpPr txBox="1"/>
-            <p:nvPr/>
-          </p:nvSpPr>
-          <p:spPr>
-            <a:xfrm>
-              <a:off x="5954568" y="2852930"/>
-              <a:ext cx="576070" cy="261610"/>
-            </a:xfrm>
-            <a:prstGeom prst="rect">
-              <a:avLst/>
-            </a:prstGeom>
-            <a:noFill/>
-          </p:spPr>
-          <p:txBody>
-            <a:bodyPr wrap="square" rtlCol="0">
-              <a:spAutoFit/>
-            </a:bodyPr>
-            <a:lstStyle/>
-            <a:p>
-              <a:r>
-                <a:rPr lang="en-US" sz="1100" b="1" i="1" dirty="0" smtClean="0">
-                  <a:latin typeface="Arial" pitchFamily="34" charset="0"/>
-                  <a:cs typeface="Arial" pitchFamily="34" charset="0"/>
-                </a:rPr>
-                <a:t>0.238</a:t>
-              </a:r>
-              <a:endParaRPr lang="en-US" sz="1100" b="1" i="1" dirty="0">
-                <a:latin typeface="Arial" pitchFamily="34" charset="0"/>
-                <a:cs typeface="Arial" pitchFamily="34" charset="0"/>
-              </a:endParaRPr>
-            </a:p>
-          </p:txBody>
-        </p:sp>
-        <p:sp>
-          <p:nvSpPr>
-            <p:cNvPr id="124" name="文字方塊 123"/>
-            <p:cNvSpPr txBox="1"/>
-            <p:nvPr/>
-          </p:nvSpPr>
-          <p:spPr>
-            <a:xfrm>
-              <a:off x="7567564" y="2852930"/>
-              <a:ext cx="576070" cy="261610"/>
-            </a:xfrm>
-            <a:prstGeom prst="rect">
-              <a:avLst/>
-            </a:prstGeom>
-            <a:noFill/>
-          </p:spPr>
-          <p:txBody>
-            <a:bodyPr wrap="square" rtlCol="0">
-              <a:spAutoFit/>
-            </a:bodyPr>
-            <a:lstStyle/>
-            <a:p>
-              <a:r>
-                <a:rPr lang="en-US" sz="1100" b="1" i="1" dirty="0" smtClean="0">
-                  <a:latin typeface="Arial" pitchFamily="34" charset="0"/>
-                  <a:cs typeface="Arial" pitchFamily="34" charset="0"/>
-                </a:rPr>
-                <a:t>0.167</a:t>
-              </a:r>
-              <a:endParaRPr lang="en-US" sz="1100" b="1" i="1" dirty="0">
-                <a:latin typeface="Arial" pitchFamily="34" charset="0"/>
-                <a:cs typeface="Arial" pitchFamily="34" charset="0"/>
-              </a:endParaRPr>
-            </a:p>
-          </p:txBody>
-        </p:sp>
-        <p:cxnSp>
-          <p:nvCxnSpPr>
-            <p:cNvPr id="125" name="直線接點 124"/>
-            <p:cNvCxnSpPr/>
-            <p:nvPr/>
-          </p:nvCxnSpPr>
-          <p:spPr>
-            <a:xfrm>
-              <a:off x="457200" y="1873611"/>
-              <a:ext cx="8165592" cy="0"/>
-            </a:xfrm>
-            <a:prstGeom prst="line">
-              <a:avLst/>
-            </a:prstGeom>
-            <a:ln w="57150">
-              <a:solidFill>
-                <a:schemeClr val="tx1"/>
-              </a:solidFill>
-            </a:ln>
-          </p:spPr>
-          <p:style>
-            <a:lnRef idx="1">
-              <a:schemeClr val="accent1"/>
-            </a:lnRef>
-            <a:fillRef idx="0">
-              <a:schemeClr val="accent1"/>
-            </a:fillRef>
-            <a:effectRef idx="0">
-              <a:schemeClr val="accent1"/>
-            </a:effectRef>
-            <a:fontRef idx="minor">
+            </a:solidFill>
+            <a:headEnd type="triangle" w="med" len="med"/>
+            <a:tailEnd type="none" w="med" len="med"/>
+          </a:ln>
+        </p:spPr>
+        <p:style>
+          <a:lnRef idx="1">
+            <a:schemeClr val="accent1"/>
+          </a:lnRef>
+          <a:fillRef idx="0">
+            <a:schemeClr val="accent1"/>
+          </a:fillRef>
+          <a:effectRef idx="0">
+            <a:schemeClr val="accent1"/>
+          </a:effectRef>
+          <a:fontRef idx="minor">
+            <a:schemeClr val="tx1"/>
+          </a:fontRef>
+        </p:style>
+        <p:txBody>
+          <a:bodyPr rtlCol="0" anchor="ctr"/>
+          <a:lstStyle/>
+          <a:p>
+            <a:pPr algn="ctr"/>
+            <a:endParaRPr lang="en-US"/>
+          </a:p>
+        </p:txBody>
+      </p:sp>
+      <p:sp>
+        <p:nvSpPr>
+          <p:cNvPr id="122" name="文字方塊 121"/>
+          <p:cNvSpPr txBox="1"/>
+          <p:nvPr/>
+        </p:nvSpPr>
+        <p:spPr>
+          <a:xfrm>
+            <a:off x="4283710" y="2853055"/>
+            <a:ext cx="575945" cy="261620"/>
+          </a:xfrm>
+          <a:prstGeom prst="rect">
+            <a:avLst/>
+          </a:prstGeom>
+          <a:noFill/>
+        </p:spPr>
+        <p:txBody>
+          <a:bodyPr wrap="square" rtlCol="0">
+            <a:spAutoFit/>
+          </a:bodyPr>
+          <a:lstStyle/>
+          <a:p>
+            <a:r>
+              <a:rPr lang="en-US" sz="1100" b="1" i="1" dirty="0" smtClean="0">
+                <a:latin typeface="Arial" panose="020B0604020202020204" pitchFamily="34" charset="0"/>
+                <a:cs typeface="Arial" panose="020B0604020202020204" pitchFamily="34" charset="0"/>
+              </a:rPr>
+              <a:t>0.125</a:t>
+            </a:r>
+            <a:endParaRPr lang="en-US" sz="1100" b="1" i="1" dirty="0">
+              <a:latin typeface="Arial" panose="020B0604020202020204" pitchFamily="34" charset="0"/>
+              <a:cs typeface="Arial" panose="020B0604020202020204" pitchFamily="34" charset="0"/>
+            </a:endParaRPr>
+          </a:p>
+        </p:txBody>
+      </p:sp>
+      <p:sp>
+        <p:nvSpPr>
+          <p:cNvPr id="123" name="文字方塊 122"/>
+          <p:cNvSpPr txBox="1"/>
+          <p:nvPr/>
+        </p:nvSpPr>
+        <p:spPr>
+          <a:xfrm>
+            <a:off x="5954395" y="2853055"/>
+            <a:ext cx="575945" cy="261620"/>
+          </a:xfrm>
+          <a:prstGeom prst="rect">
+            <a:avLst/>
+          </a:prstGeom>
+          <a:noFill/>
+        </p:spPr>
+        <p:txBody>
+          <a:bodyPr wrap="square" rtlCol="0">
+            <a:spAutoFit/>
+          </a:bodyPr>
+          <a:lstStyle/>
+          <a:p>
+            <a:r>
+              <a:rPr lang="en-US" sz="1100" b="1" i="1" dirty="0" smtClean="0">
+                <a:latin typeface="Arial" panose="020B0604020202020204" pitchFamily="34" charset="0"/>
+                <a:cs typeface="Arial" panose="020B0604020202020204" pitchFamily="34" charset="0"/>
+              </a:rPr>
+              <a:t>0.238</a:t>
+            </a:r>
+            <a:endParaRPr lang="en-US" sz="1100" b="1" i="1" dirty="0">
+              <a:latin typeface="Arial" panose="020B0604020202020204" pitchFamily="34" charset="0"/>
+              <a:cs typeface="Arial" panose="020B0604020202020204" pitchFamily="34" charset="0"/>
+            </a:endParaRPr>
+          </a:p>
+        </p:txBody>
+      </p:sp>
+      <p:sp>
+        <p:nvSpPr>
+          <p:cNvPr id="124" name="文字方塊 123"/>
+          <p:cNvSpPr txBox="1"/>
+          <p:nvPr/>
+        </p:nvSpPr>
+        <p:spPr>
+          <a:xfrm>
+            <a:off x="7567295" y="2853055"/>
+            <a:ext cx="575945" cy="261620"/>
+          </a:xfrm>
+          <a:prstGeom prst="rect">
+            <a:avLst/>
+          </a:prstGeom>
+          <a:noFill/>
+        </p:spPr>
+        <p:txBody>
+          <a:bodyPr wrap="square" rtlCol="0">
+            <a:spAutoFit/>
+          </a:bodyPr>
+          <a:lstStyle/>
+          <a:p>
+            <a:r>
+              <a:rPr lang="en-US" sz="1100" b="1" i="1" dirty="0" smtClean="0">
+                <a:latin typeface="Arial" panose="020B0604020202020204" pitchFamily="34" charset="0"/>
+                <a:cs typeface="Arial" panose="020B0604020202020204" pitchFamily="34" charset="0"/>
+              </a:rPr>
+              <a:t>0.167</a:t>
+            </a:r>
+            <a:endParaRPr lang="en-US" sz="1100" b="1" i="1" dirty="0">
+              <a:latin typeface="Arial" panose="020B0604020202020204" pitchFamily="34" charset="0"/>
+              <a:cs typeface="Arial" panose="020B0604020202020204" pitchFamily="34" charset="0"/>
+            </a:endParaRPr>
+          </a:p>
+        </p:txBody>
+      </p:sp>
+      <p:cxnSp>
+        <p:nvCxnSpPr>
+          <p:cNvPr id="125" name="直線接點 124"/>
+          <p:cNvCxnSpPr/>
+          <p:nvPr/>
+        </p:nvCxnSpPr>
+        <p:spPr>
+          <a:xfrm>
+            <a:off x="457200" y="1873885"/>
+            <a:ext cx="8165465" cy="0"/>
+          </a:xfrm>
+          <a:prstGeom prst="line">
+            <a:avLst/>
+          </a:prstGeom>
+          <a:ln w="57150">
+            <a:solidFill>
               <a:schemeClr val="tx1"/>
-            </a:fontRef>
-          </p:style>
-        </p:cxnSp>
-        <p:cxnSp>
-          <p:nvCxnSpPr>
-            <p:cNvPr id="132" name="直線接點 131"/>
-            <p:cNvCxnSpPr/>
-            <p:nvPr/>
-          </p:nvCxnSpPr>
-          <p:spPr>
-            <a:xfrm>
-              <a:off x="4744821" y="1873611"/>
-              <a:ext cx="518463" cy="1152140"/>
-            </a:xfrm>
-            <a:prstGeom prst="line">
-              <a:avLst/>
-            </a:prstGeom>
-            <a:ln w="57150">
-              <a:solidFill>
-                <a:schemeClr val="tx1"/>
-              </a:solidFill>
-              <a:headEnd type="none" w="med" len="med"/>
-              <a:tailEnd type="triangle" w="med" len="med"/>
-            </a:ln>
-          </p:spPr>
-          <p:style>
-            <a:lnRef idx="1">
-              <a:schemeClr val="accent1"/>
-            </a:lnRef>
-            <a:fillRef idx="0">
-              <a:schemeClr val="accent1"/>
-            </a:fillRef>
-            <a:effectRef idx="0">
-              <a:schemeClr val="accent1"/>
-            </a:effectRef>
-            <a:fontRef idx="minor">
+            </a:solidFill>
+          </a:ln>
+        </p:spPr>
+        <p:style>
+          <a:lnRef idx="1">
+            <a:schemeClr val="accent1"/>
+          </a:lnRef>
+          <a:fillRef idx="0">
+            <a:schemeClr val="accent1"/>
+          </a:fillRef>
+          <a:effectRef idx="0">
+            <a:schemeClr val="accent1"/>
+          </a:effectRef>
+          <a:fontRef idx="minor">
+            <a:schemeClr val="tx1"/>
+          </a:fontRef>
+        </p:style>
+      </p:cxnSp>
+      <p:cxnSp>
+        <p:nvCxnSpPr>
+          <p:cNvPr id="132" name="直線接點 131"/>
+          <p:cNvCxnSpPr/>
+          <p:nvPr/>
+        </p:nvCxnSpPr>
+        <p:spPr>
+          <a:xfrm>
+            <a:off x="4744720" y="1873885"/>
+            <a:ext cx="518160" cy="1151890"/>
+          </a:xfrm>
+          <a:prstGeom prst="line">
+            <a:avLst/>
+          </a:prstGeom>
+          <a:ln w="57150">
+            <a:solidFill>
               <a:schemeClr val="tx1"/>
-            </a:fontRef>
-          </p:style>
-        </p:cxnSp>
-        <p:cxnSp>
-          <p:nvCxnSpPr>
-            <p:cNvPr id="138" name="直線接點 137"/>
-            <p:cNvCxnSpPr/>
-            <p:nvPr/>
-          </p:nvCxnSpPr>
-          <p:spPr>
-            <a:xfrm>
-              <a:off x="6357817" y="1873611"/>
-              <a:ext cx="518463" cy="1152140"/>
-            </a:xfrm>
-            <a:prstGeom prst="line">
-              <a:avLst/>
-            </a:prstGeom>
-            <a:ln w="57150">
-              <a:solidFill>
-                <a:schemeClr val="tx1"/>
-              </a:solidFill>
-              <a:headEnd type="none" w="med" len="med"/>
-              <a:tailEnd type="triangle" w="med" len="med"/>
-            </a:ln>
-          </p:spPr>
-          <p:style>
-            <a:lnRef idx="1">
-              <a:schemeClr val="accent1"/>
-            </a:lnRef>
-            <a:fillRef idx="0">
-              <a:schemeClr val="accent1"/>
-            </a:fillRef>
-            <a:effectRef idx="0">
-              <a:schemeClr val="accent1"/>
-            </a:effectRef>
-            <a:fontRef idx="minor">
+            </a:solidFill>
+            <a:headEnd type="none" w="med" len="med"/>
+            <a:tailEnd type="triangle" w="med" len="med"/>
+          </a:ln>
+        </p:spPr>
+        <p:style>
+          <a:lnRef idx="1">
+            <a:schemeClr val="accent1"/>
+          </a:lnRef>
+          <a:fillRef idx="0">
+            <a:schemeClr val="accent1"/>
+          </a:fillRef>
+          <a:effectRef idx="0">
+            <a:schemeClr val="accent1"/>
+          </a:effectRef>
+          <a:fontRef idx="minor">
+            <a:schemeClr val="tx1"/>
+          </a:fontRef>
+        </p:style>
+      </p:cxnSp>
+      <p:cxnSp>
+        <p:nvCxnSpPr>
+          <p:cNvPr id="138" name="直線接點 137"/>
+          <p:cNvCxnSpPr/>
+          <p:nvPr/>
+        </p:nvCxnSpPr>
+        <p:spPr>
+          <a:xfrm>
+            <a:off x="6357620" y="1873885"/>
+            <a:ext cx="518160" cy="1151890"/>
+          </a:xfrm>
+          <a:prstGeom prst="line">
+            <a:avLst/>
+          </a:prstGeom>
+          <a:ln w="57150">
+            <a:solidFill>
               <a:schemeClr val="tx1"/>
-            </a:fontRef>
-          </p:style>
-        </p:cxnSp>
-        <p:cxnSp>
-          <p:nvCxnSpPr>
-            <p:cNvPr id="139" name="直線接點 138"/>
-            <p:cNvCxnSpPr/>
-            <p:nvPr/>
-          </p:nvCxnSpPr>
-          <p:spPr>
-            <a:xfrm>
-              <a:off x="3074218" y="1873611"/>
-              <a:ext cx="518463" cy="1152140"/>
-            </a:xfrm>
-            <a:prstGeom prst="line">
-              <a:avLst/>
-            </a:prstGeom>
-            <a:ln w="57150">
-              <a:solidFill>
-                <a:schemeClr val="tx1"/>
-              </a:solidFill>
-              <a:headEnd type="none" w="med" len="med"/>
-              <a:tailEnd type="triangle" w="med" len="med"/>
-            </a:ln>
-          </p:spPr>
-          <p:style>
-            <a:lnRef idx="1">
-              <a:schemeClr val="accent1"/>
-            </a:lnRef>
-            <a:fillRef idx="0">
-              <a:schemeClr val="accent1"/>
-            </a:fillRef>
-            <a:effectRef idx="0">
-              <a:schemeClr val="accent1"/>
-            </a:effectRef>
-            <a:fontRef idx="minor">
+            </a:solidFill>
+            <a:headEnd type="none" w="med" len="med"/>
+            <a:tailEnd type="triangle" w="med" len="med"/>
+          </a:ln>
+        </p:spPr>
+        <p:style>
+          <a:lnRef idx="1">
+            <a:schemeClr val="accent1"/>
+          </a:lnRef>
+          <a:fillRef idx="0">
+            <a:schemeClr val="accent1"/>
+          </a:fillRef>
+          <a:effectRef idx="0">
+            <a:schemeClr val="accent1"/>
+          </a:effectRef>
+          <a:fontRef idx="minor">
+            <a:schemeClr val="tx1"/>
+          </a:fontRef>
+        </p:style>
+      </p:cxnSp>
+      <p:cxnSp>
+        <p:nvCxnSpPr>
+          <p:cNvPr id="139" name="直線接點 138"/>
+          <p:cNvCxnSpPr/>
+          <p:nvPr/>
+        </p:nvCxnSpPr>
+        <p:spPr>
+          <a:xfrm>
+            <a:off x="3074035" y="1873885"/>
+            <a:ext cx="518160" cy="1151890"/>
+          </a:xfrm>
+          <a:prstGeom prst="line">
+            <a:avLst/>
+          </a:prstGeom>
+          <a:ln w="57150">
+            <a:solidFill>
               <a:schemeClr val="tx1"/>
-            </a:fontRef>
-          </p:style>
-        </p:cxnSp>
-        <p:sp>
-          <p:nvSpPr>
-            <p:cNvPr id="153" name="文字方塊 152"/>
-            <p:cNvSpPr txBox="1"/>
-            <p:nvPr/>
-          </p:nvSpPr>
-          <p:spPr>
-            <a:xfrm>
-              <a:off x="6473031" y="2046432"/>
-              <a:ext cx="576070" cy="261610"/>
-            </a:xfrm>
-            <a:prstGeom prst="rect">
-              <a:avLst/>
-            </a:prstGeom>
-            <a:noFill/>
-          </p:spPr>
-          <p:txBody>
-            <a:bodyPr wrap="square" rtlCol="0">
-              <a:spAutoFit/>
-            </a:bodyPr>
-            <a:lstStyle/>
-            <a:p>
-              <a:r>
-                <a:rPr lang="en-US" sz="1100" b="1" i="1" dirty="0" smtClean="0">
-                  <a:latin typeface="Arial" pitchFamily="34" charset="0"/>
-                  <a:cs typeface="Arial" pitchFamily="34" charset="0"/>
-                </a:rPr>
-                <a:t>0.862</a:t>
-              </a:r>
-              <a:endParaRPr lang="en-US" sz="1100" b="1" i="1" dirty="0">
-                <a:latin typeface="Arial" pitchFamily="34" charset="0"/>
-                <a:cs typeface="Arial" pitchFamily="34" charset="0"/>
-              </a:endParaRPr>
-            </a:p>
-          </p:txBody>
-        </p:sp>
-        <p:sp>
-          <p:nvSpPr>
-            <p:cNvPr id="154" name="文字方塊 153"/>
-            <p:cNvSpPr txBox="1"/>
-            <p:nvPr/>
-          </p:nvSpPr>
-          <p:spPr>
-            <a:xfrm>
-              <a:off x="4860035" y="2046432"/>
-              <a:ext cx="576070" cy="261610"/>
-            </a:xfrm>
-            <a:prstGeom prst="rect">
-              <a:avLst/>
-            </a:prstGeom>
-            <a:noFill/>
-          </p:spPr>
-          <p:txBody>
-            <a:bodyPr wrap="square" rtlCol="0">
-              <a:spAutoFit/>
-            </a:bodyPr>
-            <a:lstStyle/>
-            <a:p>
-              <a:r>
-                <a:rPr lang="en-US" sz="1100" b="1" i="1" dirty="0" smtClean="0">
-                  <a:latin typeface="Arial" pitchFamily="34" charset="0"/>
-                  <a:cs typeface="Arial" pitchFamily="34" charset="0"/>
-                </a:rPr>
-                <a:t>30.17</a:t>
-              </a:r>
-              <a:endParaRPr lang="en-US" sz="1100" b="1" i="1" dirty="0">
-                <a:latin typeface="Arial" pitchFamily="34" charset="0"/>
-                <a:cs typeface="Arial" pitchFamily="34" charset="0"/>
-              </a:endParaRPr>
-            </a:p>
-          </p:txBody>
-        </p:sp>
-        <p:sp>
-          <p:nvSpPr>
-            <p:cNvPr id="155" name="文字方塊 154"/>
-            <p:cNvSpPr txBox="1"/>
-            <p:nvPr/>
-          </p:nvSpPr>
-          <p:spPr>
-            <a:xfrm>
-              <a:off x="3189432" y="2046432"/>
-              <a:ext cx="576070" cy="261610"/>
-            </a:xfrm>
-            <a:prstGeom prst="rect">
-              <a:avLst/>
-            </a:prstGeom>
-            <a:noFill/>
-          </p:spPr>
-          <p:txBody>
-            <a:bodyPr wrap="square" rtlCol="0">
-              <a:spAutoFit/>
-            </a:bodyPr>
-            <a:lstStyle/>
-            <a:p>
-              <a:r>
-                <a:rPr lang="en-US" sz="1100" b="1" i="1" dirty="0" smtClean="0">
-                  <a:latin typeface="Arial" pitchFamily="34" charset="0"/>
-                  <a:cs typeface="Arial" pitchFamily="34" charset="0"/>
-                </a:rPr>
-                <a:t>3.448</a:t>
-              </a:r>
-              <a:endParaRPr lang="en-US" sz="1100" b="1" i="1" dirty="0">
-                <a:latin typeface="Arial" pitchFamily="34" charset="0"/>
-                <a:cs typeface="Arial" pitchFamily="34" charset="0"/>
-              </a:endParaRPr>
-            </a:p>
-          </p:txBody>
-        </p:sp>
-      </p:grpSp>
+            </a:solidFill>
+            <a:headEnd type="none" w="med" len="med"/>
+            <a:tailEnd type="triangle" w="med" len="med"/>
+          </a:ln>
+        </p:spPr>
+        <p:style>
+          <a:lnRef idx="1">
+            <a:schemeClr val="accent1"/>
+          </a:lnRef>
+          <a:fillRef idx="0">
+            <a:schemeClr val="accent1"/>
+          </a:fillRef>
+          <a:effectRef idx="0">
+            <a:schemeClr val="accent1"/>
+          </a:effectRef>
+          <a:fontRef idx="minor">
+            <a:schemeClr val="tx1"/>
+          </a:fontRef>
+        </p:style>
+      </p:cxnSp>
+      <p:sp>
+        <p:nvSpPr>
+          <p:cNvPr id="153" name="文字方塊 152"/>
+          <p:cNvSpPr txBox="1"/>
+          <p:nvPr/>
+        </p:nvSpPr>
+        <p:spPr>
+          <a:xfrm>
+            <a:off x="6473190" y="2046605"/>
+            <a:ext cx="575945" cy="261620"/>
+          </a:xfrm>
+          <a:prstGeom prst="rect">
+            <a:avLst/>
+          </a:prstGeom>
+          <a:noFill/>
+        </p:spPr>
+        <p:txBody>
+          <a:bodyPr wrap="square" rtlCol="0">
+            <a:spAutoFit/>
+          </a:bodyPr>
+          <a:lstStyle/>
+          <a:p>
+            <a:r>
+              <a:rPr lang="en-US" sz="1100" b="1" i="1" dirty="0" smtClean="0">
+                <a:latin typeface="Arial" panose="020B0604020202020204" pitchFamily="34" charset="0"/>
+                <a:cs typeface="Arial" panose="020B0604020202020204" pitchFamily="34" charset="0"/>
+              </a:rPr>
+              <a:t>0.862</a:t>
+            </a:r>
+            <a:endParaRPr lang="en-US" sz="1100" b="1" i="1" dirty="0">
+              <a:latin typeface="Arial" panose="020B0604020202020204" pitchFamily="34" charset="0"/>
+              <a:cs typeface="Arial" panose="020B0604020202020204" pitchFamily="34" charset="0"/>
+            </a:endParaRPr>
+          </a:p>
+        </p:txBody>
+      </p:sp>
+      <p:sp>
+        <p:nvSpPr>
+          <p:cNvPr id="154" name="文字方塊 153"/>
+          <p:cNvSpPr txBox="1"/>
+          <p:nvPr/>
+        </p:nvSpPr>
+        <p:spPr>
+          <a:xfrm>
+            <a:off x="4860290" y="2046605"/>
+            <a:ext cx="575945" cy="261620"/>
+          </a:xfrm>
+          <a:prstGeom prst="rect">
+            <a:avLst/>
+          </a:prstGeom>
+          <a:noFill/>
+        </p:spPr>
+        <p:txBody>
+          <a:bodyPr wrap="square" rtlCol="0">
+            <a:spAutoFit/>
+          </a:bodyPr>
+          <a:lstStyle/>
+          <a:p>
+            <a:r>
+              <a:rPr lang="en-US" sz="1100" b="1" i="1" dirty="0" smtClean="0">
+                <a:latin typeface="Arial" panose="020B0604020202020204" pitchFamily="34" charset="0"/>
+                <a:cs typeface="Arial" panose="020B0604020202020204" pitchFamily="34" charset="0"/>
+              </a:rPr>
+              <a:t>30.17</a:t>
+            </a:r>
+            <a:endParaRPr lang="en-US" sz="1100" b="1" i="1" dirty="0">
+              <a:latin typeface="Arial" panose="020B0604020202020204" pitchFamily="34" charset="0"/>
+              <a:cs typeface="Arial" panose="020B0604020202020204" pitchFamily="34" charset="0"/>
+            </a:endParaRPr>
+          </a:p>
+        </p:txBody>
+      </p:sp>
+      <p:sp>
+        <p:nvSpPr>
+          <p:cNvPr id="155" name="文字方塊 154"/>
+          <p:cNvSpPr txBox="1"/>
+          <p:nvPr/>
+        </p:nvSpPr>
+        <p:spPr>
+          <a:xfrm>
+            <a:off x="3189605" y="2046605"/>
+            <a:ext cx="575945" cy="261620"/>
+          </a:xfrm>
+          <a:prstGeom prst="rect">
+            <a:avLst/>
+          </a:prstGeom>
+          <a:noFill/>
+        </p:spPr>
+        <p:txBody>
+          <a:bodyPr wrap="square" rtlCol="0">
+            <a:spAutoFit/>
+          </a:bodyPr>
+          <a:lstStyle/>
+          <a:p>
+            <a:r>
+              <a:rPr lang="en-US" sz="1100" b="1" i="1" dirty="0" smtClean="0">
+                <a:latin typeface="Arial" panose="020B0604020202020204" pitchFamily="34" charset="0"/>
+                <a:cs typeface="Arial" panose="020B0604020202020204" pitchFamily="34" charset="0"/>
+              </a:rPr>
+              <a:t>3.448</a:t>
+            </a:r>
+            <a:endParaRPr lang="en-US" sz="1100" b="1" i="1" dirty="0">
+              <a:latin typeface="Arial" panose="020B0604020202020204" pitchFamily="34" charset="0"/>
+              <a:cs typeface="Arial" panose="020B0604020202020204" pitchFamily="34" charset="0"/>
+            </a:endParaRPr>
+          </a:p>
+        </p:txBody>
+      </p:sp>
       <p:sp>
         <p:nvSpPr>
           <p:cNvPr id="70" name="文字方塊 69"/>
@@ -5185,14 +5173,14 @@
           <a:p>
             <a:r>
               <a:rPr lang="en-US" sz="1100" b="1" i="1" dirty="0" smtClean="0">
-                <a:latin typeface="Arial" pitchFamily="34" charset="0"/>
-                <a:cs typeface="Arial" pitchFamily="34" charset="0"/>
+                <a:latin typeface="Arial" panose="020B0604020202020204" pitchFamily="34" charset="0"/>
+                <a:cs typeface="Arial" panose="020B0604020202020204" pitchFamily="34" charset="0"/>
               </a:rPr>
               <a:t>322.38</a:t>
             </a:r>
             <a:endParaRPr lang="en-US" sz="1100" b="1" i="1" dirty="0">
-              <a:latin typeface="Arial" pitchFamily="34" charset="0"/>
-              <a:cs typeface="Arial" pitchFamily="34" charset="0"/>
+              <a:latin typeface="Arial" panose="020B0604020202020204" pitchFamily="34" charset="0"/>
+              <a:cs typeface="Arial" panose="020B0604020202020204" pitchFamily="34" charset="0"/>
             </a:endParaRPr>
           </a:p>
         </p:txBody>
@@ -5483,7 +5471,10 @@
       </a:bgFillStyleLst>
     </a:fmtScheme>
   </a:themeElements>
-  <a:objectDefaults/>
-  <a:extraClrSchemeLst/>
+  <a:extLst>
+    <a:ext uri="{05A4C25C-085E-4340-85A3-A5531E510DB2}">
+      <thm15:themeFamily xmlns:thm15="http://schemas.microsoft.com/office/thememl/2012/main" name="Office Theme" id="{62F939B6-93AF-4DB8-9C6B-D6C7DFDC589F}" vid="{4A3C46E8-61CC-4603-A589-7422A47A8E4A}"/>
+    </a:ext>
+  </a:extLst>
 </a:theme>
 </file>
--- a/Teasel Diagram.pptx
+++ b/Teasel Diagram.pptx
@@ -4537,43 +4537,6 @@
       </p:grpSp>
       <p:cxnSp>
         <p:nvCxnSpPr>
-          <p:cNvPr id="106" name="直線接點 105"/>
-          <p:cNvCxnSpPr/>
-          <p:nvPr/>
-        </p:nvCxnSpPr>
-        <p:spPr>
-          <a:xfrm>
-            <a:off x="8028940" y="2449830"/>
-            <a:ext cx="288290" cy="633730"/>
-          </a:xfrm>
-          <a:prstGeom prst="line">
-            <a:avLst/>
-          </a:prstGeom>
-          <a:ln w="57150">
-            <a:solidFill>
-              <a:schemeClr val="tx1"/>
-            </a:solidFill>
-            <a:headEnd type="none" w="med" len="med"/>
-            <a:tailEnd type="triangle" w="med" len="med"/>
-          </a:ln>
-        </p:spPr>
-        <p:style>
-          <a:lnRef idx="1">
-            <a:schemeClr val="accent1"/>
-          </a:lnRef>
-          <a:fillRef idx="0">
-            <a:schemeClr val="accent1"/>
-          </a:fillRef>
-          <a:effectRef idx="0">
-            <a:schemeClr val="accent1"/>
-          </a:effectRef>
-          <a:fontRef idx="minor">
-            <a:schemeClr val="tx1"/>
-          </a:fontRef>
-        </p:style>
-      </p:cxnSp>
-      <p:cxnSp>
-        <p:nvCxnSpPr>
           <p:cNvPr id="102" name="直線接點 101"/>
           <p:cNvCxnSpPr/>
           <p:nvPr/>
@@ -5185,6 +5148,43 @@
           </a:p>
         </p:txBody>
       </p:sp>
+      <p:cxnSp>
+        <p:nvCxnSpPr>
+          <p:cNvPr id="2" name="直線接點 137"/>
+          <p:cNvCxnSpPr/>
+          <p:nvPr/>
+        </p:nvCxnSpPr>
+        <p:spPr>
+          <a:xfrm>
+            <a:off x="8028305" y="2449830"/>
+            <a:ext cx="287655" cy="664845"/>
+          </a:xfrm>
+          <a:prstGeom prst="line">
+            <a:avLst/>
+          </a:prstGeom>
+          <a:ln w="57150">
+            <a:solidFill>
+              <a:schemeClr val="tx1"/>
+            </a:solidFill>
+            <a:headEnd type="none" w="med" len="med"/>
+            <a:tailEnd type="triangle" w="med" len="med"/>
+          </a:ln>
+        </p:spPr>
+        <p:style>
+          <a:lnRef idx="1">
+            <a:schemeClr val="accent1"/>
+          </a:lnRef>
+          <a:fillRef idx="0">
+            <a:schemeClr val="accent1"/>
+          </a:fillRef>
+          <a:effectRef idx="0">
+            <a:schemeClr val="accent1"/>
+          </a:effectRef>
+          <a:fontRef idx="minor">
+            <a:schemeClr val="tx1"/>
+          </a:fontRef>
+        </p:style>
+      </p:cxnSp>
     </p:spTree>
   </p:cSld>
   <p:clrMapOvr>
